--- a/PresentationReport.pptx
+++ b/PresentationReport.pptx
@@ -5,13 +5,18 @@
     <p:sldMasterId id="2147483677" r:id="rId1"/>
   </p:sldMasterIdLst>
   <p:notesMasterIdLst>
-    <p:notesMasterId r:id="rId6"/>
+    <p:notesMasterId r:id="rId11"/>
   </p:notesMasterIdLst>
   <p:sldIdLst>
     <p:sldId id="258" r:id="rId2"/>
     <p:sldId id="257" r:id="rId3"/>
     <p:sldId id="259" r:id="rId4"/>
     <p:sldId id="260" r:id="rId5"/>
+    <p:sldId id="261" r:id="rId6"/>
+    <p:sldId id="262" r:id="rId7"/>
+    <p:sldId id="263" r:id="rId8"/>
+    <p:sldId id="264" r:id="rId9"/>
+    <p:sldId id="265" r:id="rId10"/>
   </p:sldIdLst>
   <p:sldSz cx="12192000" cy="6858000"/>
   <p:notesSz cx="6858000" cy="9144000"/>
@@ -110,6 +115,11 @@
       </a:defRPr>
     </a:lvl9pPr>
   </p:defaultTextStyle>
+  <p:extLst>
+    <p:ext uri="{EFAFB233-063F-42B5-8137-9DF3F51BA10A}">
+      <p15:sldGuideLst xmlns:p15="http://schemas.microsoft.com/office/powerpoint/2012/main"/>
+    </p:ext>
+  </p:extLst>
 </p:presentation>
 </file>
 
@@ -959,11 +969,12 @@
             <a:buAutoNum type="arabicPeriod"/>
           </a:pPr>
           <a:r>
-            <a:rPr lang="en-US" b="1" dirty="0">
-              <a:effectLst/>
-            </a:rPr>
-            <a:t>Use-case diagram</a:t>
+            <a:rPr lang="en-US" b="0" i="0" dirty="0"/>
+            <a:t>Product Scope</a:t>
           </a:r>
+          <a:endParaRPr lang="en-US" b="1" dirty="0">
+            <a:effectLst/>
+          </a:endParaRPr>
         </a:p>
       </dgm:t>
     </dgm:pt>
@@ -997,11 +1008,20 @@
         <a:lstStyle/>
         <a:p>
           <a:r>
-            <a:rPr lang="en-US" b="1" dirty="0">
-              <a:effectLst/>
+            <a:rPr lang="en-US" b="0" spc="300" dirty="0">
+              <a:solidFill>
+                <a:schemeClr val="bg1"/>
+              </a:solidFill>
+              <a:latin typeface="Arial Black" panose="020B0A04020102020204" pitchFamily="34" charset="0"/>
             </a:rPr>
-            <a:t>Class diagram</a:t>
+            <a:t>Methodology</a:t>
           </a:r>
+          <a:endParaRPr lang="en-US" b="0" dirty="0">
+            <a:solidFill>
+              <a:schemeClr val="bg1"/>
+            </a:solidFill>
+            <a:effectLst/>
+          </a:endParaRPr>
         </a:p>
       </dgm:t>
     </dgm:pt>
@@ -1077,7 +1097,7 @@
             <a:rPr lang="en-US" b="1" dirty="0">
               <a:effectLst/>
             </a:rPr>
-            <a:t>High level diagram</a:t>
+            <a:t>Diagrams</a:t>
           </a:r>
         </a:p>
       </dgm:t>
@@ -1436,12 +1456,12 @@
         </a:fontRef>
       </dsp:style>
       <dsp:txBody>
-        <a:bodyPr spcFirstLastPara="0" vert="horz" wrap="square" lIns="110490" tIns="110490" rIns="110490" bIns="110490" numCol="1" spcCol="1270" anchor="ctr" anchorCtr="0">
+        <a:bodyPr spcFirstLastPara="0" vert="horz" wrap="square" lIns="106680" tIns="106680" rIns="106680" bIns="106680" numCol="1" spcCol="1270" anchor="ctr" anchorCtr="0">
           <a:noAutofit/>
         </a:bodyPr>
         <a:lstStyle/>
         <a:p>
-          <a:pPr marL="0" lvl="0" indent="0" algn="l" defTabSz="1289050">
+          <a:pPr marL="0" lvl="0" indent="0" algn="l" defTabSz="1244600">
             <a:lnSpc>
               <a:spcPct val="90000"/>
             </a:lnSpc>
@@ -1454,7 +1474,7 @@
             <a:buNone/>
           </a:pPr>
           <a:r>
-            <a:rPr lang="en-US" sz="2900" b="1" kern="1200" dirty="0">
+            <a:rPr lang="en-US" sz="2800" b="1" kern="1200" dirty="0">
               <a:effectLst/>
             </a:rPr>
             <a:t>Introduction</a:t>
@@ -1571,12 +1591,12 @@
         </a:fontRef>
       </dsp:style>
       <dsp:txBody>
-        <a:bodyPr spcFirstLastPara="0" vert="horz" wrap="square" lIns="110490" tIns="110490" rIns="110490" bIns="110490" numCol="1" spcCol="1270" anchor="ctr" anchorCtr="0">
+        <a:bodyPr spcFirstLastPara="0" vert="horz" wrap="square" lIns="106680" tIns="106680" rIns="106680" bIns="106680" numCol="1" spcCol="1270" anchor="ctr" anchorCtr="0">
           <a:noAutofit/>
         </a:bodyPr>
         <a:lstStyle/>
         <a:p>
-          <a:pPr marL="0" lvl="0" indent="0" algn="l" defTabSz="1289050">
+          <a:pPr marL="0" lvl="0" indent="0" algn="l" defTabSz="1244600">
             <a:lnSpc>
               <a:spcPct val="90000"/>
             </a:lnSpc>
@@ -1590,11 +1610,12 @@
             <a:buNone/>
           </a:pPr>
           <a:r>
-            <a:rPr lang="en-US" sz="2900" b="1" kern="1200" dirty="0">
-              <a:effectLst/>
-            </a:rPr>
-            <a:t>Use-case diagram</a:t>
+            <a:rPr lang="en-US" sz="2800" b="0" i="0" kern="1200" dirty="0"/>
+            <a:t>Product Scope</a:t>
           </a:r>
+          <a:endParaRPr lang="en-US" sz="2800" b="1" kern="1200" dirty="0">
+            <a:effectLst/>
+          </a:endParaRPr>
         </a:p>
       </dsp:txBody>
       <dsp:txXfrm>
@@ -1707,12 +1728,12 @@
         </a:fontRef>
       </dsp:style>
       <dsp:txBody>
-        <a:bodyPr spcFirstLastPara="0" vert="horz" wrap="square" lIns="110490" tIns="110490" rIns="110490" bIns="110490" numCol="1" spcCol="1270" anchor="ctr" anchorCtr="0">
+        <a:bodyPr spcFirstLastPara="0" vert="horz" wrap="square" lIns="106680" tIns="106680" rIns="106680" bIns="106680" numCol="1" spcCol="1270" anchor="ctr" anchorCtr="0">
           <a:noAutofit/>
         </a:bodyPr>
         <a:lstStyle/>
         <a:p>
-          <a:pPr marL="0" lvl="0" indent="0" algn="l" defTabSz="1289050">
+          <a:pPr marL="0" lvl="0" indent="0" algn="l" defTabSz="1244600">
             <a:lnSpc>
               <a:spcPct val="90000"/>
             </a:lnSpc>
@@ -1725,11 +1746,20 @@
             <a:buNone/>
           </a:pPr>
           <a:r>
-            <a:rPr lang="en-US" sz="2900" b="1" kern="1200" dirty="0">
-              <a:effectLst/>
+            <a:rPr lang="en-US" sz="2800" b="0" kern="1200" spc="300" dirty="0">
+              <a:solidFill>
+                <a:schemeClr val="bg1"/>
+              </a:solidFill>
+              <a:latin typeface="Arial Black" panose="020B0A04020102020204" pitchFamily="34" charset="0"/>
             </a:rPr>
-            <a:t>Class diagram</a:t>
+            <a:t>Methodology</a:t>
           </a:r>
+          <a:endParaRPr lang="en-US" sz="2800" b="0" kern="1200" dirty="0">
+            <a:solidFill>
+              <a:schemeClr val="bg1"/>
+            </a:solidFill>
+            <a:effectLst/>
+          </a:endParaRPr>
         </a:p>
       </dsp:txBody>
       <dsp:txXfrm>
@@ -1842,12 +1872,12 @@
         </a:fontRef>
       </dsp:style>
       <dsp:txBody>
-        <a:bodyPr spcFirstLastPara="0" vert="horz" wrap="square" lIns="110490" tIns="110490" rIns="110490" bIns="110490" numCol="1" spcCol="1270" anchor="ctr" anchorCtr="0">
+        <a:bodyPr spcFirstLastPara="0" vert="horz" wrap="square" lIns="106680" tIns="106680" rIns="106680" bIns="106680" numCol="1" spcCol="1270" anchor="ctr" anchorCtr="0">
           <a:noAutofit/>
         </a:bodyPr>
         <a:lstStyle/>
         <a:p>
-          <a:pPr marL="0" lvl="0" indent="0" algn="l" defTabSz="1289050">
+          <a:pPr marL="0" lvl="0" indent="0" algn="l" defTabSz="1244600">
             <a:lnSpc>
               <a:spcPct val="90000"/>
             </a:lnSpc>
@@ -1860,10 +1890,10 @@
             <a:buNone/>
           </a:pPr>
           <a:r>
-            <a:rPr lang="en-US" sz="2900" b="1" kern="1200" dirty="0">
+            <a:rPr lang="en-US" sz="2800" b="1" kern="1200" dirty="0">
               <a:effectLst/>
             </a:rPr>
-            <a:t>High level diagram</a:t>
+            <a:t>Diagrams</a:t>
           </a:r>
         </a:p>
       </dsp:txBody>
@@ -1977,12 +2007,12 @@
         </a:fontRef>
       </dsp:style>
       <dsp:txBody>
-        <a:bodyPr spcFirstLastPara="0" vert="horz" wrap="square" lIns="110490" tIns="110490" rIns="110490" bIns="110490" numCol="1" spcCol="1270" anchor="ctr" anchorCtr="0">
+        <a:bodyPr spcFirstLastPara="0" vert="horz" wrap="square" lIns="106680" tIns="106680" rIns="106680" bIns="106680" numCol="1" spcCol="1270" anchor="ctr" anchorCtr="0">
           <a:noAutofit/>
         </a:bodyPr>
         <a:lstStyle/>
         <a:p>
-          <a:pPr marL="0" lvl="0" indent="0" algn="l" defTabSz="1289050">
+          <a:pPr marL="0" lvl="0" indent="0" algn="l" defTabSz="1244600">
             <a:lnSpc>
               <a:spcPct val="90000"/>
             </a:lnSpc>
@@ -1995,10 +2025,10 @@
             <a:buNone/>
           </a:pPr>
           <a:r>
-            <a:rPr lang="en-US" sz="2900" b="1" kern="1200" dirty="0"/>
+            <a:rPr lang="en-US" sz="2800" b="1" kern="1200" dirty="0"/>
             <a:t>ER diagram</a:t>
           </a:r>
-          <a:endParaRPr lang="en-US" sz="2900" b="1" kern="1200" dirty="0">
+          <a:endParaRPr lang="en-US" sz="2800" b="1" kern="1200" dirty="0">
             <a:effectLst/>
           </a:endParaRPr>
         </a:p>
@@ -9619,7 +9649,7 @@
                   </a:schemeClr>
                 </a:solidFill>
               </a:rPr>
-              <a:t> Project Demo </a:t>
+              <a:t> Project Report </a:t>
             </a:r>
             <a:r>
               <a:rPr lang="en-US" sz="2000" spc="600" dirty="0">
@@ -9926,7 +9956,13 @@
             </a:extLst>
           </p:cNvPr>
           <p:cNvGraphicFramePr/>
-          <p:nvPr/>
+          <p:nvPr>
+            <p:extLst>
+              <p:ext uri="{D42A27DB-BD31-4B8C-83A1-F6EECF244321}">
+                <p14:modId xmlns:p14="http://schemas.microsoft.com/office/powerpoint/2010/main" val="2297751756"/>
+              </p:ext>
+            </p:extLst>
+          </p:nvPr>
         </p:nvGraphicFramePr>
         <p:xfrm>
           <a:off x="3704824" y="1726687"/>
@@ -10286,6 +10322,265 @@
       </p:sp>
       <p:pic>
         <p:nvPicPr>
+          <p:cNvPr id="8" name="Picture 7" descr="A group of people around a rocket&#10;&#10;Description automatically generated with low confidence">
+            <a:extLst>
+              <a:ext uri="{FF2B5EF4-FFF2-40B4-BE49-F238E27FC236}">
+                <a16:creationId xmlns:a16="http://schemas.microsoft.com/office/drawing/2014/main" id="{83E241B2-34EC-30B6-C78E-D3B5A15453D2}"/>
+              </a:ext>
+            </a:extLst>
+          </p:cNvPr>
+          <p:cNvPicPr>
+            <a:picLocks noChangeAspect="1"/>
+          </p:cNvPicPr>
+          <p:nvPr/>
+        </p:nvPicPr>
+        <p:blipFill>
+          <a:blip r:embed="rId2">
+            <a:extLst>
+              <a:ext uri="{28A0092B-C50C-407E-A947-70E740481C1C}">
+                <a14:useLocalDpi xmlns:a14="http://schemas.microsoft.com/office/drawing/2010/main" val="0"/>
+              </a:ext>
+            </a:extLst>
+          </a:blip>
+          <a:stretch>
+            <a:fillRect/>
+          </a:stretch>
+        </p:blipFill>
+        <p:spPr>
+          <a:xfrm>
+            <a:off x="6653709" y="7281518"/>
+            <a:ext cx="5465177" cy="4345668"/>
+          </a:xfrm>
+          <a:prstGeom prst="rect">
+            <a:avLst/>
+          </a:prstGeom>
+        </p:spPr>
+      </p:pic>
+      <p:sp>
+        <p:nvSpPr>
+          <p:cNvPr id="4" name="TextBox 3">
+            <a:extLst>
+              <a:ext uri="{FF2B5EF4-FFF2-40B4-BE49-F238E27FC236}">
+                <a16:creationId xmlns:a16="http://schemas.microsoft.com/office/drawing/2014/main" id="{04571466-EF9A-0C72-1E38-AFD76D9D1ECE}"/>
+              </a:ext>
+            </a:extLst>
+          </p:cNvPr>
+          <p:cNvSpPr txBox="1"/>
+          <p:nvPr/>
+        </p:nvSpPr>
+        <p:spPr>
+          <a:xfrm flipH="1">
+            <a:off x="5581649" y="529117"/>
+            <a:ext cx="5302660" cy="923330"/>
+          </a:xfrm>
+          <a:prstGeom prst="rect">
+            <a:avLst/>
+          </a:prstGeom>
+          <a:noFill/>
+        </p:spPr>
+        <p:txBody>
+          <a:bodyPr wrap="square" rtlCol="0">
+            <a:spAutoFit/>
+          </a:bodyPr>
+          <a:lstStyle/>
+          <a:p>
+            <a:pPr algn="ctr"/>
+            <a:r>
+              <a:rPr lang="en-US" sz="5400" b="1" dirty="0"/>
+              <a:t>INTRODUCTION</a:t>
+            </a:r>
+          </a:p>
+        </p:txBody>
+      </p:sp>
+      <p:sp>
+        <p:nvSpPr>
+          <p:cNvPr id="5" name="TextBox 4">
+            <a:extLst>
+              <a:ext uri="{FF2B5EF4-FFF2-40B4-BE49-F238E27FC236}">
+                <a16:creationId xmlns:a16="http://schemas.microsoft.com/office/drawing/2014/main" id="{F640C73C-26C2-3CBC-FDF3-E22B632A07A9}"/>
+              </a:ext>
+            </a:extLst>
+          </p:cNvPr>
+          <p:cNvSpPr txBox="1"/>
+          <p:nvPr/>
+        </p:nvSpPr>
+        <p:spPr>
+          <a:xfrm>
+            <a:off x="4914900" y="2201331"/>
+            <a:ext cx="6838949" cy="3688709"/>
+          </a:xfrm>
+          <a:prstGeom prst="rect">
+            <a:avLst/>
+          </a:prstGeom>
+        </p:spPr>
+        <p:txBody>
+          <a:bodyPr vert="horz" lIns="91440" tIns="45720" rIns="91440" bIns="45720" rtlCol="0" anchor="t">
+            <a:normAutofit/>
+          </a:bodyPr>
+          <a:lstStyle/>
+          <a:p>
+            <a:pPr marL="285750" indent="-285750">
+              <a:lnSpc>
+                <a:spcPct val="150000"/>
+              </a:lnSpc>
+              <a:spcBef>
+                <a:spcPts val="1000"/>
+              </a:spcBef>
+              <a:buClr>
+                <a:srgbClr val="FFE024"/>
+              </a:buClr>
+              <a:buSzPct val="80000"/>
+              <a:buFont typeface="Wingdings" panose="05000000000000000000" pitchFamily="2" charset="2"/>
+              <a:buChar char="q"/>
+            </a:pPr>
+            <a:r>
+              <a:rPr lang="en-US" sz="2000" b="1" dirty="0">
+                <a:latin typeface="Calibri" panose="020F0502020204030204" pitchFamily="34" charset="0"/>
+                <a:cs typeface="Calibri" panose="020F0502020204030204" pitchFamily="34" charset="0"/>
+              </a:rPr>
+              <a:t>Our project report is for the development of a hotel management system for Rico Shadow Guesthouse and Restaurant, located in </a:t>
+            </a:r>
+            <a:r>
+              <a:rPr lang="en-US" sz="2000" b="1" dirty="0" err="1">
+                <a:latin typeface="Calibri" panose="020F0502020204030204" pitchFamily="34" charset="0"/>
+                <a:cs typeface="Calibri" panose="020F0502020204030204" pitchFamily="34" charset="0"/>
+              </a:rPr>
+              <a:t>Kammala</a:t>
+            </a:r>
+            <a:r>
+              <a:rPr lang="en-US" sz="2000" b="1" dirty="0">
+                <a:latin typeface="Calibri" panose="020F0502020204030204" pitchFamily="34" charset="0"/>
+                <a:cs typeface="Calibri" panose="020F0502020204030204" pitchFamily="34" charset="0"/>
+              </a:rPr>
+              <a:t> North, </a:t>
+            </a:r>
+            <a:r>
+              <a:rPr lang="en-US" sz="2000" b="1" dirty="0" err="1">
+                <a:latin typeface="Calibri" panose="020F0502020204030204" pitchFamily="34" charset="0"/>
+                <a:cs typeface="Calibri" panose="020F0502020204030204" pitchFamily="34" charset="0"/>
+              </a:rPr>
+              <a:t>Waikkala</a:t>
+            </a:r>
+            <a:r>
+              <a:rPr lang="en-US" sz="2000" b="1" dirty="0">
+                <a:latin typeface="Calibri" panose="020F0502020204030204" pitchFamily="34" charset="0"/>
+                <a:cs typeface="Calibri" panose="020F0502020204030204" pitchFamily="34" charset="0"/>
+              </a:rPr>
+              <a:t>. Our proposed system aims to modernize the hotel's manual file-based system and provide a more efficient way of managing hotel operations.​</a:t>
+            </a:r>
+          </a:p>
+        </p:txBody>
+      </p:sp>
+      <p:sp>
+        <p:nvSpPr>
+          <p:cNvPr id="9" name="Rectangle: Rounded Corners 8">
+            <a:extLst>
+              <a:ext uri="{FF2B5EF4-FFF2-40B4-BE49-F238E27FC236}">
+                <a16:creationId xmlns:a16="http://schemas.microsoft.com/office/drawing/2014/main" id="{7933988D-330D-8453-2E0A-7058C10EAE65}"/>
+              </a:ext>
+            </a:extLst>
+          </p:cNvPr>
+          <p:cNvSpPr/>
+          <p:nvPr/>
+        </p:nvSpPr>
+        <p:spPr>
+          <a:xfrm>
+            <a:off x="1752600" y="-1702955"/>
+            <a:ext cx="8686799" cy="1600200"/>
+          </a:xfrm>
+          <a:prstGeom prst="roundRect">
+            <a:avLst/>
+          </a:prstGeom>
+          <a:solidFill>
+            <a:srgbClr val="111111"/>
+          </a:solidFill>
+        </p:spPr>
+        <p:style>
+          <a:lnRef idx="2">
+            <a:schemeClr val="dk1">
+              <a:shade val="50000"/>
+            </a:schemeClr>
+          </a:lnRef>
+          <a:fillRef idx="1">
+            <a:schemeClr val="dk1"/>
+          </a:fillRef>
+          <a:effectRef idx="0">
+            <a:schemeClr val="dk1"/>
+          </a:effectRef>
+          <a:fontRef idx="minor">
+            <a:schemeClr val="lt1"/>
+          </a:fontRef>
+        </p:style>
+        <p:txBody>
+          <a:bodyPr rtlCol="0" anchor="ctr"/>
+          <a:lstStyle/>
+          <a:p>
+            <a:pPr algn="ctr"/>
+            <a:endParaRPr lang="en-US"/>
+          </a:p>
+        </p:txBody>
+      </p:sp>
+      <p:sp>
+        <p:nvSpPr>
+          <p:cNvPr id="10" name="Rectangle: Rounded Corners 9">
+            <a:extLst>
+              <a:ext uri="{FF2B5EF4-FFF2-40B4-BE49-F238E27FC236}">
+                <a16:creationId xmlns:a16="http://schemas.microsoft.com/office/drawing/2014/main" id="{9DA4A6B6-1AA9-5E96-923B-02D481FF0205}"/>
+              </a:ext>
+            </a:extLst>
+          </p:cNvPr>
+          <p:cNvSpPr/>
+          <p:nvPr/>
+        </p:nvSpPr>
+        <p:spPr>
+          <a:xfrm>
+            <a:off x="3955142" y="-902855"/>
+            <a:ext cx="4281714" cy="695324"/>
+          </a:xfrm>
+          <a:prstGeom prst="roundRect">
+            <a:avLst/>
+          </a:prstGeom>
+          <a:solidFill>
+            <a:schemeClr val="bg1">
+              <a:lumMod val="95000"/>
+            </a:schemeClr>
+          </a:solidFill>
+        </p:spPr>
+        <p:style>
+          <a:lnRef idx="2">
+            <a:schemeClr val="accent1">
+              <a:shade val="50000"/>
+            </a:schemeClr>
+          </a:lnRef>
+          <a:fillRef idx="1">
+            <a:schemeClr val="accent1"/>
+          </a:fillRef>
+          <a:effectRef idx="0">
+            <a:schemeClr val="accent1"/>
+          </a:effectRef>
+          <a:fontRef idx="minor">
+            <a:schemeClr val="lt1"/>
+          </a:fontRef>
+        </p:style>
+        <p:txBody>
+          <a:bodyPr rtlCol="0" anchor="ctr"/>
+          <a:lstStyle/>
+          <a:p>
+            <a:pPr algn="ctr"/>
+            <a:r>
+              <a:rPr lang="en-US" sz="1800" b="1" spc="300" dirty="0">
+                <a:solidFill>
+                  <a:schemeClr val="tx1"/>
+                </a:solidFill>
+                <a:latin typeface="Arial Black" panose="020B0A04020102020204" pitchFamily="34" charset="0"/>
+              </a:rPr>
+              <a:t>Product Scope</a:t>
+            </a:r>
+          </a:p>
+        </p:txBody>
+      </p:sp>
+      <p:pic>
+        <p:nvPicPr>
           <p:cNvPr id="3" name="Picture 2" descr="A picture containing text, vector graphics&#10;&#10;Description automatically generated">
             <a:extLst>
               <a:ext uri="{FF2B5EF4-FFF2-40B4-BE49-F238E27FC236}">
@@ -10299,7 +10594,7 @@
           <p:nvPr/>
         </p:nvPicPr>
         <p:blipFill rotWithShape="1">
-          <a:blip r:embed="rId2">
+          <a:blip r:embed="rId3">
             <a:extLst>
               <a:ext uri="{28A0092B-C50C-407E-A947-70E740481C1C}">
                 <a14:useLocalDpi xmlns:a14="http://schemas.microsoft.com/office/drawing/2010/main" val="0"/>
@@ -10311,7 +10606,7 @@
         </p:blipFill>
         <p:spPr>
           <a:xfrm>
-            <a:off x="0" y="0"/>
+            <a:off x="-29028" y="0"/>
             <a:ext cx="4914900" cy="6858000"/>
           </a:xfrm>
           <a:custGeom>
@@ -10365,12 +10660,157 @@
           </a:solidFill>
         </p:spPr>
       </p:pic>
-      <p:sp>
-        <p:nvSpPr>
-          <p:cNvPr id="4" name="TextBox 3">
+    </p:spTree>
+    <p:extLst>
+      <p:ext uri="{BB962C8B-B14F-4D97-AF65-F5344CB8AC3E}">
+        <p14:creationId xmlns:p14="http://schemas.microsoft.com/office/powerpoint/2010/main" val="333523858"/>
+      </p:ext>
+    </p:extLst>
+  </p:cSld>
+  <p:clrMapOvr>
+    <a:masterClrMapping/>
+  </p:clrMapOvr>
+  <mc:AlternateContent xmlns:mc="http://schemas.openxmlformats.org/markup-compatibility/2006" xmlns:p159="http://schemas.microsoft.com/office/powerpoint/2015/09/main">
+    <mc:Choice Requires="p159">
+      <p:transition xmlns:p14="http://schemas.microsoft.com/office/powerpoint/2010/main" spd="slow" p14:dur="2000">
+        <p159:morph option="byObject"/>
+      </p:transition>
+    </mc:Choice>
+    <mc:Fallback xmlns="">
+      <p:transition spd="slow">
+        <p:fade/>
+      </p:transition>
+    </mc:Fallback>
+  </mc:AlternateContent>
+</p:sld>
+</file>
+
+<file path=ppt/slides/slide4.xml><?xml version="1.0" encoding="utf-8"?>
+<p:sld xmlns:a="http://schemas.openxmlformats.org/drawingml/2006/main" xmlns:r="http://schemas.openxmlformats.org/officeDocument/2006/relationships" xmlns:p="http://schemas.openxmlformats.org/presentationml/2006/main">
+  <p:cSld>
+    <p:bg>
+      <p:bgPr>
+        <a:pattFill prst="pct5">
+          <a:fgClr>
+            <a:schemeClr val="bg2"/>
+          </a:fgClr>
+          <a:bgClr>
+            <a:schemeClr val="accent1"/>
+          </a:bgClr>
+        </a:pattFill>
+        <a:effectLst/>
+      </p:bgPr>
+    </p:bg>
+    <p:spTree>
+      <p:nvGrpSpPr>
+        <p:cNvPr id="1" name=""/>
+        <p:cNvGrpSpPr/>
+        <p:nvPr/>
+      </p:nvGrpSpPr>
+      <p:grpSpPr>
+        <a:xfrm>
+          <a:off x="0" y="0"/>
+          <a:ext cx="0" cy="0"/>
+          <a:chOff x="0" y="0"/>
+          <a:chExt cx="0" cy="0"/>
+        </a:xfrm>
+      </p:grpSpPr>
+      <p:sp>
+        <p:nvSpPr>
+          <p:cNvPr id="6" name="Rectangle: Rounded Corners 5">
             <a:extLst>
               <a:ext uri="{FF2B5EF4-FFF2-40B4-BE49-F238E27FC236}">
-                <a16:creationId xmlns:a16="http://schemas.microsoft.com/office/drawing/2014/main" id="{04571466-EF9A-0C72-1E38-AFD76D9D1ECE}"/>
+                <a16:creationId xmlns:a16="http://schemas.microsoft.com/office/drawing/2014/main" id="{9174865E-6748-61F4-E85B-13156B925553}"/>
+              </a:ext>
+            </a:extLst>
+          </p:cNvPr>
+          <p:cNvSpPr/>
+          <p:nvPr/>
+        </p:nvSpPr>
+        <p:spPr>
+          <a:xfrm>
+            <a:off x="1752600" y="-56694"/>
+            <a:ext cx="8686799" cy="6419850"/>
+          </a:xfrm>
+          <a:prstGeom prst="roundRect">
+            <a:avLst/>
+          </a:prstGeom>
+          <a:solidFill>
+            <a:srgbClr val="FFCB74"/>
+          </a:solidFill>
+          <a:ln>
+            <a:solidFill>
+              <a:schemeClr val="bg1"/>
+            </a:solidFill>
+          </a:ln>
+        </p:spPr>
+        <p:style>
+          <a:lnRef idx="2">
+            <a:schemeClr val="accent1">
+              <a:shade val="50000"/>
+            </a:schemeClr>
+          </a:lnRef>
+          <a:fillRef idx="1">
+            <a:schemeClr val="accent1"/>
+          </a:fillRef>
+          <a:effectRef idx="0">
+            <a:schemeClr val="accent1"/>
+          </a:effectRef>
+          <a:fontRef idx="minor">
+            <a:schemeClr val="lt1"/>
+          </a:fontRef>
+        </p:style>
+        <p:txBody>
+          <a:bodyPr rtlCol="0" anchor="ctr"/>
+          <a:lstStyle/>
+          <a:p>
+            <a:pPr algn="ctr"/>
+            <a:endParaRPr lang="en-US"/>
+          </a:p>
+        </p:txBody>
+      </p:sp>
+      <p:pic>
+        <p:nvPicPr>
+          <p:cNvPr id="12" name="Picture 11" descr="A group of people around a rocket&#10;&#10;Description automatically generated with low confidence">
+            <a:extLst>
+              <a:ext uri="{FF2B5EF4-FFF2-40B4-BE49-F238E27FC236}">
+                <a16:creationId xmlns:a16="http://schemas.microsoft.com/office/drawing/2014/main" id="{FC60ADC2-25F3-B96F-E35F-CFA7E930B20A}"/>
+              </a:ext>
+            </a:extLst>
+          </p:cNvPr>
+          <p:cNvPicPr>
+            <a:picLocks noChangeAspect="1"/>
+          </p:cNvPicPr>
+          <p:nvPr/>
+        </p:nvPicPr>
+        <p:blipFill>
+          <a:blip r:embed="rId2">
+            <a:extLst>
+              <a:ext uri="{28A0092B-C50C-407E-A947-70E740481C1C}">
+                <a14:useLocalDpi xmlns:a14="http://schemas.microsoft.com/office/drawing/2010/main" val="0"/>
+              </a:ext>
+            </a:extLst>
+          </a:blip>
+          <a:stretch>
+            <a:fillRect/>
+          </a:stretch>
+        </p:blipFill>
+        <p:spPr>
+          <a:xfrm>
+            <a:off x="6349061" y="1543506"/>
+            <a:ext cx="5465177" cy="4345668"/>
+          </a:xfrm>
+          <a:prstGeom prst="rect">
+            <a:avLst/>
+          </a:prstGeom>
+        </p:spPr>
+      </p:pic>
+      <p:sp>
+        <p:nvSpPr>
+          <p:cNvPr id="10" name="TextBox 9">
+            <a:extLst>
+              <a:ext uri="{FF2B5EF4-FFF2-40B4-BE49-F238E27FC236}">
+                <a16:creationId xmlns:a16="http://schemas.microsoft.com/office/drawing/2014/main" id="{86F3C858-2C5C-E359-82A4-D5CC9CA17376}"/>
               </a:ext>
             </a:extLst>
           </p:cNvPr>
@@ -10378,9 +10818,251 @@
           <p:nvPr/>
         </p:nvSpPr>
         <p:spPr>
-          <a:xfrm flipH="1">
-            <a:off x="5581649" y="529117"/>
-            <a:ext cx="5302660" cy="923330"/>
+          <a:xfrm>
+            <a:off x="2107330" y="1639247"/>
+            <a:ext cx="4112985" cy="2742823"/>
+          </a:xfrm>
+          <a:prstGeom prst="rect">
+            <a:avLst/>
+          </a:prstGeom>
+        </p:spPr>
+        <p:txBody>
+          <a:bodyPr vert="horz" lIns="91440" tIns="45720" rIns="91440" bIns="45720" rtlCol="0" anchor="t">
+            <a:normAutofit fontScale="92500" lnSpcReduction="10000"/>
+          </a:bodyPr>
+          <a:lstStyle/>
+          <a:p>
+            <a:pPr marL="0" algn="just" rtl="0" eaLnBrk="1" latinLnBrk="0" hangingPunct="1">
+              <a:spcBef>
+                <a:spcPts val="0"/>
+              </a:spcBef>
+              <a:spcAft>
+                <a:spcPts val="0"/>
+              </a:spcAft>
+            </a:pPr>
+            <a:r>
+              <a:rPr lang="en-US" sz="2400" b="1" i="0" kern="1200" dirty="0">
+                <a:solidFill>
+                  <a:srgbClr val="000000"/>
+                </a:solidFill>
+                <a:effectLst/>
+                <a:latin typeface="Söhne"/>
+                <a:ea typeface="+mn-ea"/>
+                <a:cs typeface="+mn-cs"/>
+              </a:rPr>
+              <a:t>Our project aims to develop a web-based hotel management system that addresses the challenges of their current manual system. The system will encompass various key functionalities, including room booking and food ordering</a:t>
+            </a:r>
+            <a:endParaRPr lang="en-US" sz="2800" dirty="0">
+              <a:effectLst/>
+            </a:endParaRPr>
+          </a:p>
+        </p:txBody>
+      </p:sp>
+      <p:sp>
+        <p:nvSpPr>
+          <p:cNvPr id="13" name="Rectangle: Rounded Corners 12">
+            <a:extLst>
+              <a:ext uri="{FF2B5EF4-FFF2-40B4-BE49-F238E27FC236}">
+                <a16:creationId xmlns:a16="http://schemas.microsoft.com/office/drawing/2014/main" id="{F06F5A8C-A94E-B5AE-24BD-43502EE3019E}"/>
+              </a:ext>
+            </a:extLst>
+          </p:cNvPr>
+          <p:cNvSpPr/>
+          <p:nvPr/>
+        </p:nvSpPr>
+        <p:spPr>
+          <a:xfrm>
+            <a:off x="1752600" y="-628895"/>
+            <a:ext cx="8686799" cy="1600200"/>
+          </a:xfrm>
+          <a:prstGeom prst="roundRect">
+            <a:avLst/>
+          </a:prstGeom>
+          <a:solidFill>
+            <a:srgbClr val="111111"/>
+          </a:solidFill>
+        </p:spPr>
+        <p:style>
+          <a:lnRef idx="2">
+            <a:schemeClr val="dk1">
+              <a:shade val="50000"/>
+            </a:schemeClr>
+          </a:lnRef>
+          <a:fillRef idx="1">
+            <a:schemeClr val="dk1"/>
+          </a:fillRef>
+          <a:effectRef idx="0">
+            <a:schemeClr val="dk1"/>
+          </a:effectRef>
+          <a:fontRef idx="minor">
+            <a:schemeClr val="lt1"/>
+          </a:fontRef>
+        </p:style>
+        <p:txBody>
+          <a:bodyPr rtlCol="0" anchor="ctr"/>
+          <a:lstStyle/>
+          <a:p>
+            <a:pPr algn="ctr"/>
+            <a:endParaRPr lang="en-US"/>
+          </a:p>
+        </p:txBody>
+      </p:sp>
+      <p:sp>
+        <p:nvSpPr>
+          <p:cNvPr id="16" name="Rectangle: Rounded Corners 15">
+            <a:extLst>
+              <a:ext uri="{FF2B5EF4-FFF2-40B4-BE49-F238E27FC236}">
+                <a16:creationId xmlns:a16="http://schemas.microsoft.com/office/drawing/2014/main" id="{00BDF502-5E80-5598-CDAC-D896DADB798D}"/>
+              </a:ext>
+            </a:extLst>
+          </p:cNvPr>
+          <p:cNvSpPr/>
+          <p:nvPr/>
+        </p:nvSpPr>
+        <p:spPr>
+          <a:xfrm>
+            <a:off x="3955142" y="171205"/>
+            <a:ext cx="4281714" cy="695324"/>
+          </a:xfrm>
+          <a:prstGeom prst="roundRect">
+            <a:avLst/>
+          </a:prstGeom>
+          <a:solidFill>
+            <a:schemeClr val="bg1">
+              <a:lumMod val="95000"/>
+            </a:schemeClr>
+          </a:solidFill>
+        </p:spPr>
+        <p:style>
+          <a:lnRef idx="2">
+            <a:schemeClr val="accent1">
+              <a:shade val="50000"/>
+            </a:schemeClr>
+          </a:lnRef>
+          <a:fillRef idx="1">
+            <a:schemeClr val="accent1"/>
+          </a:fillRef>
+          <a:effectRef idx="0">
+            <a:schemeClr val="accent1"/>
+          </a:effectRef>
+          <a:fontRef idx="minor">
+            <a:schemeClr val="lt1"/>
+          </a:fontRef>
+        </p:style>
+        <p:txBody>
+          <a:bodyPr rtlCol="0" anchor="ctr"/>
+          <a:lstStyle/>
+          <a:p>
+            <a:pPr algn="ctr"/>
+            <a:r>
+              <a:rPr lang="en-US" sz="1800" b="1" spc="300" dirty="0">
+                <a:solidFill>
+                  <a:schemeClr val="tx1"/>
+                </a:solidFill>
+                <a:latin typeface="Arial Black" panose="020B0A04020102020204" pitchFamily="34" charset="0"/>
+              </a:rPr>
+              <a:t>Product Scope</a:t>
+            </a:r>
+          </a:p>
+        </p:txBody>
+      </p:sp>
+      <p:pic>
+        <p:nvPicPr>
+          <p:cNvPr id="8" name="Picture 7" descr="A picture containing text, vector graphics&#10;&#10;Description automatically generated">
+            <a:extLst>
+              <a:ext uri="{FF2B5EF4-FFF2-40B4-BE49-F238E27FC236}">
+                <a16:creationId xmlns:a16="http://schemas.microsoft.com/office/drawing/2014/main" id="{DE4F5826-F48D-DBC3-37A1-CC732D1DC356}"/>
+              </a:ext>
+            </a:extLst>
+          </p:cNvPr>
+          <p:cNvPicPr>
+            <a:picLocks noChangeAspect="1"/>
+          </p:cNvPicPr>
+          <p:nvPr/>
+        </p:nvPicPr>
+        <p:blipFill rotWithShape="1">
+          <a:blip r:embed="rId3">
+            <a:extLst>
+              <a:ext uri="{28A0092B-C50C-407E-A947-70E740481C1C}">
+                <a14:useLocalDpi xmlns:a14="http://schemas.microsoft.com/office/drawing/2010/main" val="0"/>
+              </a:ext>
+            </a:extLst>
+          </a:blip>
+          <a:srcRect l="12045" t="-50906" r="-6205" b="-74512"/>
+          <a:stretch/>
+        </p:blipFill>
+        <p:spPr>
+          <a:xfrm>
+            <a:off x="-5257800" y="0"/>
+            <a:ext cx="4914900" cy="6858000"/>
+          </a:xfrm>
+          <a:custGeom>
+            <a:avLst/>
+            <a:gdLst>
+              <a:gd name="connsiteX0" fmla="*/ 0 w 3549447"/>
+              <a:gd name="connsiteY0" fmla="*/ 0 h 3886200"/>
+              <a:gd name="connsiteX1" fmla="*/ 3549447 w 3549447"/>
+              <a:gd name="connsiteY1" fmla="*/ 0 h 3886200"/>
+              <a:gd name="connsiteX2" fmla="*/ 2880853 w 3549447"/>
+              <a:gd name="connsiteY2" fmla="*/ 3886200 h 3886200"/>
+              <a:gd name="connsiteX3" fmla="*/ 0 w 3549447"/>
+              <a:gd name="connsiteY3" fmla="*/ 3886200 h 3886200"/>
+            </a:gdLst>
+            <a:ahLst/>
+            <a:cxnLst>
+              <a:cxn ang="0">
+                <a:pos x="connsiteX0" y="connsiteY0"/>
+              </a:cxn>
+              <a:cxn ang="0">
+                <a:pos x="connsiteX1" y="connsiteY1"/>
+              </a:cxn>
+              <a:cxn ang="0">
+                <a:pos x="connsiteX2" y="connsiteY2"/>
+              </a:cxn>
+              <a:cxn ang="0">
+                <a:pos x="connsiteX3" y="connsiteY3"/>
+              </a:cxn>
+            </a:cxnLst>
+            <a:rect l="l" t="t" r="r" b="b"/>
+            <a:pathLst>
+              <a:path w="3549447" h="3886200">
+                <a:moveTo>
+                  <a:pt x="0" y="0"/>
+                </a:moveTo>
+                <a:lnTo>
+                  <a:pt x="3549447" y="0"/>
+                </a:lnTo>
+                <a:lnTo>
+                  <a:pt x="2880853" y="3886200"/>
+                </a:lnTo>
+                <a:lnTo>
+                  <a:pt x="0" y="3886200"/>
+                </a:lnTo>
+                <a:close/>
+              </a:path>
+            </a:pathLst>
+          </a:custGeom>
+          <a:solidFill>
+            <a:srgbClr val="2F2F2F"/>
+          </a:solidFill>
+        </p:spPr>
+      </p:pic>
+      <p:sp>
+        <p:nvSpPr>
+          <p:cNvPr id="19" name="TextBox 18">
+            <a:extLst>
+              <a:ext uri="{FF2B5EF4-FFF2-40B4-BE49-F238E27FC236}">
+                <a16:creationId xmlns:a16="http://schemas.microsoft.com/office/drawing/2014/main" id="{E0767799-00A3-C9E8-9DDD-4BE0112F37BC}"/>
+              </a:ext>
+            </a:extLst>
+          </p:cNvPr>
+          <p:cNvSpPr txBox="1"/>
+          <p:nvPr/>
+        </p:nvSpPr>
+        <p:spPr>
+          <a:xfrm>
+            <a:off x="1639035" y="6925130"/>
+            <a:ext cx="9162560" cy="3231654"/>
           </a:xfrm>
           <a:prstGeom prst="rect">
             <a:avLst/>
@@ -10395,95 +11077,41 @@
           <a:p>
             <a:pPr algn="ctr"/>
             <a:r>
-              <a:rPr lang="en-US" sz="5400" b="1" dirty="0"/>
-              <a:t>INTRODUCTION</a:t>
-            </a:r>
-          </a:p>
-        </p:txBody>
-      </p:sp>
-      <p:sp>
-        <p:nvSpPr>
-          <p:cNvPr id="5" name="TextBox 4">
-            <a:extLst>
-              <a:ext uri="{FF2B5EF4-FFF2-40B4-BE49-F238E27FC236}">
-                <a16:creationId xmlns:a16="http://schemas.microsoft.com/office/drawing/2014/main" id="{F640C73C-26C2-3CBC-FDF3-E22B632A07A9}"/>
-              </a:ext>
-            </a:extLst>
-          </p:cNvPr>
-          <p:cNvSpPr txBox="1"/>
-          <p:nvPr/>
-        </p:nvSpPr>
-        <p:spPr>
-          <a:xfrm>
-            <a:off x="4914900" y="2201331"/>
-            <a:ext cx="6838949" cy="3688709"/>
-          </a:xfrm>
-          <a:prstGeom prst="rect">
-            <a:avLst/>
-          </a:prstGeom>
-        </p:spPr>
-        <p:txBody>
-          <a:bodyPr vert="horz" lIns="91440" tIns="45720" rIns="91440" bIns="45720" rtlCol="0" anchor="t">
-            <a:normAutofit/>
-          </a:bodyPr>
-          <a:lstStyle/>
-          <a:p>
-            <a:pPr marL="285750" indent="-285750">
-              <a:lnSpc>
-                <a:spcPct val="150000"/>
-              </a:lnSpc>
-              <a:spcBef>
-                <a:spcPts val="1000"/>
-              </a:spcBef>
-              <a:buClr>
-                <a:srgbClr val="FFE024"/>
-              </a:buClr>
-              <a:buSzPct val="80000"/>
-              <a:buFont typeface="Wingdings" panose="05000000000000000000" pitchFamily="2" charset="2"/>
-              <a:buChar char="q"/>
-            </a:pPr>
-            <a:r>
-              <a:rPr lang="en-US" sz="2000" b="1" dirty="0">
-                <a:latin typeface="Calibri" panose="020F0502020204030204" pitchFamily="34" charset="0"/>
-                <a:cs typeface="Calibri" panose="020F0502020204030204" pitchFamily="34" charset="0"/>
-              </a:rPr>
-              <a:t>Our project proposal is for the development of a hotel management system for Rico Shadow Guesthouse and Restaurant, located in </a:t>
+              <a:rPr lang="en-US" sz="2400" dirty="0"/>
+              <a:t> </a:t>
             </a:r>
             <a:r>
-              <a:rPr lang="en-US" sz="2000" b="1" dirty="0" err="1">
-                <a:latin typeface="Calibri" panose="020F0502020204030204" pitchFamily="34" charset="0"/>
-                <a:cs typeface="Calibri" panose="020F0502020204030204" pitchFamily="34" charset="0"/>
+              <a:rPr lang="en-US" sz="4000" b="1" dirty="0"/>
+              <a:t>Requirements and Analysis</a:t>
+            </a:r>
+            <a:endParaRPr lang="en-US" sz="3600" dirty="0"/>
+          </a:p>
+          <a:p>
+            <a:endParaRPr lang="en-US" sz="3600" i="0" dirty="0">
+              <a:effectLst/>
+              <a:latin typeface="Söhne"/>
+            </a:endParaRPr>
+          </a:p>
+          <a:p>
+            <a:r>
+              <a:rPr lang="en-US" sz="3600" i="0" dirty="0">
+                <a:effectLst/>
+                <a:latin typeface="Söhne"/>
               </a:rPr>
-              <a:t>Kammala</a:t>
+              <a:t>we conducted in-depth discussions with hotel staff, management to gather their input and understand their needs</a:t>
             </a:r>
-            <a:r>
-              <a:rPr lang="en-US" sz="2000" b="1" dirty="0">
-                <a:latin typeface="Calibri" panose="020F0502020204030204" pitchFamily="34" charset="0"/>
-                <a:cs typeface="Calibri" panose="020F0502020204030204" pitchFamily="34" charset="0"/>
-              </a:rPr>
-              <a:t> North, </a:t>
-            </a:r>
-            <a:r>
-              <a:rPr lang="en-US" sz="2000" b="1" dirty="0" err="1">
-                <a:latin typeface="Calibri" panose="020F0502020204030204" pitchFamily="34" charset="0"/>
-                <a:cs typeface="Calibri" panose="020F0502020204030204" pitchFamily="34" charset="0"/>
-              </a:rPr>
-              <a:t>Waikkala</a:t>
-            </a:r>
-            <a:r>
-              <a:rPr lang="en-US" sz="2000" b="1" dirty="0">
-                <a:latin typeface="Calibri" panose="020F0502020204030204" pitchFamily="34" charset="0"/>
-                <a:cs typeface="Calibri" panose="020F0502020204030204" pitchFamily="34" charset="0"/>
-              </a:rPr>
-              <a:t>. Our proposed system aims to modernize the hotel's manual file-based system and provide a more efficient and secure way of managing hotel operations.​</a:t>
-            </a:r>
+          </a:p>
+          <a:p>
+            <a:endParaRPr lang="en-US" sz="2000" dirty="0">
+              <a:latin typeface="Söhne"/>
+            </a:endParaRPr>
           </a:p>
         </p:txBody>
       </p:sp>
     </p:spTree>
     <p:extLst>
       <p:ext uri="{BB962C8B-B14F-4D97-AF65-F5344CB8AC3E}">
-        <p14:creationId xmlns:p14="http://schemas.microsoft.com/office/powerpoint/2010/main" val="333523858"/>
+        <p14:creationId xmlns:p14="http://schemas.microsoft.com/office/powerpoint/2010/main" val="3956468030"/>
       </p:ext>
     </p:extLst>
   </p:cSld>
@@ -10505,9 +11133,22 @@
 </p:sld>
 </file>
 
-<file path=ppt/slides/slide4.xml><?xml version="1.0" encoding="utf-8"?>
+<file path=ppt/slides/slide5.xml><?xml version="1.0" encoding="utf-8"?>
 <p:sld xmlns:a="http://schemas.openxmlformats.org/drawingml/2006/main" xmlns:r="http://schemas.openxmlformats.org/officeDocument/2006/relationships" xmlns:p="http://schemas.openxmlformats.org/presentationml/2006/main">
   <p:cSld>
+    <p:bg>
+      <p:bgPr>
+        <a:pattFill prst="pct5">
+          <a:fgClr>
+            <a:schemeClr val="bg2"/>
+          </a:fgClr>
+          <a:bgClr>
+            <a:schemeClr val="accent1"/>
+          </a:bgClr>
+        </a:pattFill>
+        <a:effectLst/>
+      </p:bgPr>
+    </p:bg>
     <p:spTree>
       <p:nvGrpSpPr>
         <p:cNvPr id="1" name=""/>
@@ -10522,16 +11163,1959 @@
           <a:chExt cx="0" cy="0"/>
         </a:xfrm>
       </p:grpSpPr>
+      <p:sp>
+        <p:nvSpPr>
+          <p:cNvPr id="6" name="Rectangle: Rounded Corners 5">
+            <a:extLst>
+              <a:ext uri="{FF2B5EF4-FFF2-40B4-BE49-F238E27FC236}">
+                <a16:creationId xmlns:a16="http://schemas.microsoft.com/office/drawing/2014/main" id="{9174865E-6748-61F4-E85B-13156B925553}"/>
+              </a:ext>
+            </a:extLst>
+          </p:cNvPr>
+          <p:cNvSpPr/>
+          <p:nvPr/>
+        </p:nvSpPr>
+        <p:spPr>
+          <a:xfrm>
+            <a:off x="1228235" y="-56694"/>
+            <a:ext cx="9611215" cy="6419850"/>
+          </a:xfrm>
+          <a:prstGeom prst="roundRect">
+            <a:avLst>
+              <a:gd name="adj" fmla="val 12513"/>
+            </a:avLst>
+          </a:prstGeom>
+          <a:solidFill>
+            <a:srgbClr val="FFCB74"/>
+          </a:solidFill>
+          <a:ln>
+            <a:solidFill>
+              <a:schemeClr val="bg1"/>
+            </a:solidFill>
+          </a:ln>
+        </p:spPr>
+        <p:style>
+          <a:lnRef idx="2">
+            <a:schemeClr val="accent1">
+              <a:shade val="50000"/>
+            </a:schemeClr>
+          </a:lnRef>
+          <a:fillRef idx="1">
+            <a:schemeClr val="accent1"/>
+          </a:fillRef>
+          <a:effectRef idx="0">
+            <a:schemeClr val="accent1"/>
+          </a:effectRef>
+          <a:fontRef idx="minor">
+            <a:schemeClr val="lt1"/>
+          </a:fontRef>
+        </p:style>
+        <p:txBody>
+          <a:bodyPr rtlCol="0" anchor="ctr"/>
+          <a:lstStyle/>
+          <a:p>
+            <a:pPr algn="ctr"/>
+            <a:endParaRPr lang="en-US"/>
+          </a:p>
+        </p:txBody>
+      </p:sp>
+      <p:pic>
+        <p:nvPicPr>
+          <p:cNvPr id="12" name="Picture 11" descr="A group of people around a rocket&#10;&#10;Description automatically generated with low confidence">
+            <a:extLst>
+              <a:ext uri="{FF2B5EF4-FFF2-40B4-BE49-F238E27FC236}">
+                <a16:creationId xmlns:a16="http://schemas.microsoft.com/office/drawing/2014/main" id="{FC60ADC2-25F3-B96F-E35F-CFA7E930B20A}"/>
+              </a:ext>
+            </a:extLst>
+          </p:cNvPr>
+          <p:cNvPicPr>
+            <a:picLocks noChangeAspect="1"/>
+          </p:cNvPicPr>
+          <p:nvPr/>
+        </p:nvPicPr>
+        <p:blipFill>
+          <a:blip r:embed="rId2">
+            <a:extLst>
+              <a:ext uri="{28A0092B-C50C-407E-A947-70E740481C1C}">
+                <a14:useLocalDpi xmlns:a14="http://schemas.microsoft.com/office/drawing/2010/main" val="0"/>
+              </a:ext>
+            </a:extLst>
+          </a:blip>
+          <a:stretch>
+            <a:fillRect/>
+          </a:stretch>
+        </p:blipFill>
+        <p:spPr>
+          <a:xfrm>
+            <a:off x="12559361" y="1067480"/>
+            <a:ext cx="5465177" cy="4345668"/>
+          </a:xfrm>
+          <a:prstGeom prst="rect">
+            <a:avLst/>
+          </a:prstGeom>
+        </p:spPr>
+      </p:pic>
+      <p:sp>
+        <p:nvSpPr>
+          <p:cNvPr id="10" name="TextBox 9">
+            <a:extLst>
+              <a:ext uri="{FF2B5EF4-FFF2-40B4-BE49-F238E27FC236}">
+                <a16:creationId xmlns:a16="http://schemas.microsoft.com/office/drawing/2014/main" id="{86F3C858-2C5C-E359-82A4-D5CC9CA17376}"/>
+              </a:ext>
+            </a:extLst>
+          </p:cNvPr>
+          <p:cNvSpPr txBox="1"/>
+          <p:nvPr/>
+        </p:nvSpPr>
+        <p:spPr>
+          <a:xfrm>
+            <a:off x="2107330" y="-2424750"/>
+            <a:ext cx="4112985" cy="2742823"/>
+          </a:xfrm>
+          <a:prstGeom prst="rect">
+            <a:avLst/>
+          </a:prstGeom>
+        </p:spPr>
+        <p:txBody>
+          <a:bodyPr vert="horz" lIns="91440" tIns="45720" rIns="91440" bIns="45720" rtlCol="0" anchor="t">
+            <a:normAutofit fontScale="92500" lnSpcReduction="10000"/>
+          </a:bodyPr>
+          <a:lstStyle/>
+          <a:p>
+            <a:pPr marL="0" algn="just" rtl="0" eaLnBrk="1" latinLnBrk="0" hangingPunct="1">
+              <a:spcBef>
+                <a:spcPts val="0"/>
+              </a:spcBef>
+              <a:spcAft>
+                <a:spcPts val="0"/>
+              </a:spcAft>
+            </a:pPr>
+            <a:r>
+              <a:rPr lang="en-US" sz="2400" b="1" i="0" kern="1200" dirty="0">
+                <a:solidFill>
+                  <a:srgbClr val="000000"/>
+                </a:solidFill>
+                <a:effectLst/>
+                <a:latin typeface="Söhne"/>
+                <a:ea typeface="+mn-ea"/>
+                <a:cs typeface="+mn-cs"/>
+              </a:rPr>
+              <a:t>Our project aims to develop a web-based hotel management system that addresses the challenges of their current manual system. The system will encompass various key functionalities, including room booking and food ordering</a:t>
+            </a:r>
+            <a:endParaRPr lang="en-US" sz="2800" dirty="0">
+              <a:effectLst/>
+            </a:endParaRPr>
+          </a:p>
+        </p:txBody>
+      </p:sp>
+      <p:sp>
+        <p:nvSpPr>
+          <p:cNvPr id="13" name="Rectangle: Rounded Corners 12">
+            <a:extLst>
+              <a:ext uri="{FF2B5EF4-FFF2-40B4-BE49-F238E27FC236}">
+                <a16:creationId xmlns:a16="http://schemas.microsoft.com/office/drawing/2014/main" id="{F06F5A8C-A94E-B5AE-24BD-43502EE3019E}"/>
+              </a:ext>
+            </a:extLst>
+          </p:cNvPr>
+          <p:cNvSpPr/>
+          <p:nvPr/>
+        </p:nvSpPr>
+        <p:spPr>
+          <a:xfrm>
+            <a:off x="1228235" y="-628895"/>
+            <a:ext cx="9611215" cy="1600200"/>
+          </a:xfrm>
+          <a:prstGeom prst="roundRect">
+            <a:avLst/>
+          </a:prstGeom>
+          <a:solidFill>
+            <a:srgbClr val="111111"/>
+          </a:solidFill>
+        </p:spPr>
+        <p:style>
+          <a:lnRef idx="2">
+            <a:schemeClr val="dk1">
+              <a:shade val="50000"/>
+            </a:schemeClr>
+          </a:lnRef>
+          <a:fillRef idx="1">
+            <a:schemeClr val="dk1"/>
+          </a:fillRef>
+          <a:effectRef idx="0">
+            <a:schemeClr val="dk1"/>
+          </a:effectRef>
+          <a:fontRef idx="minor">
+            <a:schemeClr val="lt1"/>
+          </a:fontRef>
+        </p:style>
+        <p:txBody>
+          <a:bodyPr rtlCol="0" anchor="ctr"/>
+          <a:lstStyle/>
+          <a:p>
+            <a:pPr algn="ctr"/>
+            <a:endParaRPr lang="en-US"/>
+          </a:p>
+        </p:txBody>
+      </p:sp>
+      <p:sp>
+        <p:nvSpPr>
+          <p:cNvPr id="16" name="Rectangle: Rounded Corners 15">
+            <a:extLst>
+              <a:ext uri="{FF2B5EF4-FFF2-40B4-BE49-F238E27FC236}">
+                <a16:creationId xmlns:a16="http://schemas.microsoft.com/office/drawing/2014/main" id="{00BDF502-5E80-5598-CDAC-D896DADB798D}"/>
+              </a:ext>
+            </a:extLst>
+          </p:cNvPr>
+          <p:cNvSpPr/>
+          <p:nvPr/>
+        </p:nvSpPr>
+        <p:spPr>
+          <a:xfrm>
+            <a:off x="3696683" y="171205"/>
+            <a:ext cx="4737358" cy="695324"/>
+          </a:xfrm>
+          <a:prstGeom prst="roundRect">
+            <a:avLst/>
+          </a:prstGeom>
+          <a:solidFill>
+            <a:schemeClr val="bg1">
+              <a:lumMod val="95000"/>
+            </a:schemeClr>
+          </a:solidFill>
+        </p:spPr>
+        <p:style>
+          <a:lnRef idx="2">
+            <a:schemeClr val="accent1">
+              <a:shade val="50000"/>
+            </a:schemeClr>
+          </a:lnRef>
+          <a:fillRef idx="1">
+            <a:schemeClr val="accent1"/>
+          </a:fillRef>
+          <a:effectRef idx="0">
+            <a:schemeClr val="accent1"/>
+          </a:effectRef>
+          <a:fontRef idx="minor">
+            <a:schemeClr val="lt1"/>
+          </a:fontRef>
+        </p:style>
+        <p:txBody>
+          <a:bodyPr rtlCol="0" anchor="ctr"/>
+          <a:lstStyle/>
+          <a:p>
+            <a:pPr algn="ctr"/>
+            <a:r>
+              <a:rPr lang="en-US" sz="2400" b="1" spc="300" dirty="0">
+                <a:solidFill>
+                  <a:schemeClr val="tx1"/>
+                </a:solidFill>
+                <a:latin typeface="Arial Black" panose="020B0A04020102020204" pitchFamily="34" charset="0"/>
+              </a:rPr>
+              <a:t>Methodology</a:t>
+            </a:r>
+            <a:endParaRPr lang="en-US" sz="1800" b="1" spc="300" dirty="0">
+              <a:solidFill>
+                <a:schemeClr val="tx1"/>
+              </a:solidFill>
+              <a:latin typeface="Arial Black" panose="020B0A04020102020204" pitchFamily="34" charset="0"/>
+            </a:endParaRPr>
+          </a:p>
+        </p:txBody>
+      </p:sp>
+      <p:sp>
+        <p:nvSpPr>
+          <p:cNvPr id="3" name="TextBox 2">
+            <a:extLst>
+              <a:ext uri="{FF2B5EF4-FFF2-40B4-BE49-F238E27FC236}">
+                <a16:creationId xmlns:a16="http://schemas.microsoft.com/office/drawing/2014/main" id="{1FC2CF52-6764-DADA-301F-8B7449F4BD35}"/>
+              </a:ext>
+            </a:extLst>
+          </p:cNvPr>
+          <p:cNvSpPr txBox="1"/>
+          <p:nvPr/>
+        </p:nvSpPr>
+        <p:spPr>
+          <a:xfrm>
+            <a:off x="1639035" y="1438730"/>
+            <a:ext cx="9162560" cy="3231654"/>
+          </a:xfrm>
+          <a:prstGeom prst="rect">
+            <a:avLst/>
+          </a:prstGeom>
+          <a:noFill/>
+        </p:spPr>
+        <p:txBody>
+          <a:bodyPr wrap="square" rtlCol="0">
+            <a:spAutoFit/>
+          </a:bodyPr>
+          <a:lstStyle/>
+          <a:p>
+            <a:pPr algn="ctr"/>
+            <a:r>
+              <a:rPr lang="en-US" sz="2400" dirty="0"/>
+              <a:t> </a:t>
+            </a:r>
+            <a:r>
+              <a:rPr lang="en-US" sz="4000" b="1" dirty="0"/>
+              <a:t>Requirements and Analysis</a:t>
+            </a:r>
+            <a:endParaRPr lang="en-US" sz="3600" dirty="0"/>
+          </a:p>
+          <a:p>
+            <a:endParaRPr lang="en-US" sz="3600" i="0" dirty="0">
+              <a:effectLst/>
+              <a:latin typeface="Söhne"/>
+            </a:endParaRPr>
+          </a:p>
+          <a:p>
+            <a:r>
+              <a:rPr lang="en-US" sz="3600" i="0" dirty="0">
+                <a:effectLst/>
+                <a:latin typeface="Söhne"/>
+              </a:rPr>
+              <a:t>we conducted in-depth discussions with hotel staff, management to gather their input and understand their needs</a:t>
+            </a:r>
+          </a:p>
+          <a:p>
+            <a:endParaRPr lang="en-US" sz="2000" dirty="0">
+              <a:latin typeface="Söhne"/>
+            </a:endParaRPr>
+          </a:p>
+        </p:txBody>
+      </p:sp>
+      <p:sp>
+        <p:nvSpPr>
+          <p:cNvPr id="5" name="TextBox 4">
+            <a:extLst>
+              <a:ext uri="{FF2B5EF4-FFF2-40B4-BE49-F238E27FC236}">
+                <a16:creationId xmlns:a16="http://schemas.microsoft.com/office/drawing/2014/main" id="{B6D3CB72-C2FA-E753-F980-28FC61C83361}"/>
+              </a:ext>
+            </a:extLst>
+          </p:cNvPr>
+          <p:cNvSpPr txBox="1"/>
+          <p:nvPr/>
+        </p:nvSpPr>
+        <p:spPr>
+          <a:xfrm>
+            <a:off x="1639035" y="6971354"/>
+            <a:ext cx="9162560" cy="3293209"/>
+          </a:xfrm>
+          <a:prstGeom prst="rect">
+            <a:avLst/>
+          </a:prstGeom>
+          <a:noFill/>
+        </p:spPr>
+        <p:txBody>
+          <a:bodyPr wrap="square" rtlCol="0">
+            <a:spAutoFit/>
+          </a:bodyPr>
+          <a:lstStyle/>
+          <a:p>
+            <a:pPr algn="ctr"/>
+            <a:r>
+              <a:rPr lang="en-US" sz="4000" b="1" dirty="0"/>
+              <a:t>Design</a:t>
+            </a:r>
+            <a:endParaRPr lang="en-US" sz="3600" b="1" dirty="0"/>
+          </a:p>
+          <a:p>
+            <a:endParaRPr lang="en-US" sz="2400" b="1" i="0" dirty="0">
+              <a:effectLst/>
+              <a:latin typeface="Söhne"/>
+            </a:endParaRPr>
+          </a:p>
+          <a:p>
+            <a:r>
+              <a:rPr lang="en-US" sz="3600" b="0" i="0" dirty="0">
+                <a:effectLst/>
+                <a:latin typeface="Söhne"/>
+              </a:rPr>
+              <a:t>visualize the user interfaces of the room booking module and the kitchen system. Additionally, we designed the database schema to store information</a:t>
+            </a:r>
+          </a:p>
+        </p:txBody>
+      </p:sp>
+      <p:pic>
+        <p:nvPicPr>
+          <p:cNvPr id="9" name="Picture 8" descr="A pair of binoculars next to a paper with a checklist&#10;&#10;Description automatically generated with low confidence">
+            <a:extLst>
+              <a:ext uri="{FF2B5EF4-FFF2-40B4-BE49-F238E27FC236}">
+                <a16:creationId xmlns:a16="http://schemas.microsoft.com/office/drawing/2014/main" id="{6FD23617-4873-2048-11D8-1D44C6F53054}"/>
+              </a:ext>
+            </a:extLst>
+          </p:cNvPr>
+          <p:cNvPicPr>
+            <a:picLocks noChangeAspect="1"/>
+          </p:cNvPicPr>
+          <p:nvPr/>
+        </p:nvPicPr>
+        <p:blipFill>
+          <a:blip r:embed="rId3">
+            <a:extLst>
+              <a:ext uri="{28A0092B-C50C-407E-A947-70E740481C1C}">
+                <a14:useLocalDpi xmlns:a14="http://schemas.microsoft.com/office/drawing/2010/main" val="0"/>
+              </a:ext>
+            </a:extLst>
+          </a:blip>
+          <a:stretch>
+            <a:fillRect/>
+          </a:stretch>
+        </p:blipFill>
+        <p:spPr>
+          <a:xfrm>
+            <a:off x="8434041" y="3921195"/>
+            <a:ext cx="2247595" cy="2247595"/>
+          </a:xfrm>
+          <a:prstGeom prst="rect">
+            <a:avLst/>
+          </a:prstGeom>
+        </p:spPr>
+      </p:pic>
+      <p:pic>
+        <p:nvPicPr>
+          <p:cNvPr id="11" name="Picture 10" descr="A hand holding a puzzle piece&#10;&#10;Description automatically generated with medium confidence">
+            <a:extLst>
+              <a:ext uri="{FF2B5EF4-FFF2-40B4-BE49-F238E27FC236}">
+                <a16:creationId xmlns:a16="http://schemas.microsoft.com/office/drawing/2014/main" id="{C8328D89-DACD-D5B8-3F70-57AFC4F11FF0}"/>
+              </a:ext>
+            </a:extLst>
+          </p:cNvPr>
+          <p:cNvPicPr>
+            <a:picLocks noChangeAspect="1"/>
+          </p:cNvPicPr>
+          <p:nvPr/>
+        </p:nvPicPr>
+        <p:blipFill>
+          <a:blip r:embed="rId4">
+            <a:extLst>
+              <a:ext uri="{28A0092B-C50C-407E-A947-70E740481C1C}">
+                <a14:useLocalDpi xmlns:a14="http://schemas.microsoft.com/office/drawing/2010/main" val="0"/>
+              </a:ext>
+            </a:extLst>
+          </a:blip>
+          <a:stretch>
+            <a:fillRect/>
+          </a:stretch>
+        </p:blipFill>
+        <p:spPr>
+          <a:xfrm>
+            <a:off x="12454535" y="4128374"/>
+            <a:ext cx="3176480" cy="2767012"/>
+          </a:xfrm>
+          <a:prstGeom prst="rect">
+            <a:avLst/>
+          </a:prstGeom>
+        </p:spPr>
+      </p:pic>
     </p:spTree>
     <p:extLst>
       <p:ext uri="{BB962C8B-B14F-4D97-AF65-F5344CB8AC3E}">
-        <p14:creationId xmlns:p14="http://schemas.microsoft.com/office/powerpoint/2010/main" val="3956468030"/>
+        <p14:creationId xmlns:p14="http://schemas.microsoft.com/office/powerpoint/2010/main" val="2787561448"/>
       </p:ext>
     </p:extLst>
   </p:cSld>
   <p:clrMapOvr>
     <a:masterClrMapping/>
   </p:clrMapOvr>
+  <mc:AlternateContent xmlns:mc="http://schemas.openxmlformats.org/markup-compatibility/2006">
+    <mc:Choice xmlns:p159="http://schemas.microsoft.com/office/powerpoint/2015/09/main" Requires="p159">
+      <p:transition xmlns:p14="http://schemas.microsoft.com/office/powerpoint/2010/main" spd="slow" p14:dur="2000">
+        <p159:morph option="byObject"/>
+      </p:transition>
+    </mc:Choice>
+    <mc:Fallback>
+      <p:transition spd="slow">
+        <p:fade/>
+      </p:transition>
+    </mc:Fallback>
+  </mc:AlternateContent>
+</p:sld>
+</file>
+
+<file path=ppt/slides/slide6.xml><?xml version="1.0" encoding="utf-8"?>
+<p:sld xmlns:a="http://schemas.openxmlformats.org/drawingml/2006/main" xmlns:r="http://schemas.openxmlformats.org/officeDocument/2006/relationships" xmlns:p="http://schemas.openxmlformats.org/presentationml/2006/main">
+  <p:cSld>
+    <p:bg>
+      <p:bgPr>
+        <a:pattFill prst="pct5">
+          <a:fgClr>
+            <a:schemeClr val="accent1"/>
+          </a:fgClr>
+          <a:bgClr>
+            <a:schemeClr val="accent1"/>
+          </a:bgClr>
+        </a:pattFill>
+        <a:effectLst/>
+      </p:bgPr>
+    </p:bg>
+    <p:spTree>
+      <p:nvGrpSpPr>
+        <p:cNvPr id="1" name=""/>
+        <p:cNvGrpSpPr/>
+        <p:nvPr/>
+      </p:nvGrpSpPr>
+      <p:grpSpPr>
+        <a:xfrm>
+          <a:off x="0" y="0"/>
+          <a:ext cx="0" cy="0"/>
+          <a:chOff x="0" y="0"/>
+          <a:chExt cx="0" cy="0"/>
+        </a:xfrm>
+      </p:grpSpPr>
+      <p:sp>
+        <p:nvSpPr>
+          <p:cNvPr id="6" name="Rectangle: Rounded Corners 5">
+            <a:extLst>
+              <a:ext uri="{FF2B5EF4-FFF2-40B4-BE49-F238E27FC236}">
+                <a16:creationId xmlns:a16="http://schemas.microsoft.com/office/drawing/2014/main" id="{9174865E-6748-61F4-E85B-13156B925553}"/>
+              </a:ext>
+            </a:extLst>
+          </p:cNvPr>
+          <p:cNvSpPr/>
+          <p:nvPr/>
+        </p:nvSpPr>
+        <p:spPr>
+          <a:xfrm>
+            <a:off x="1228235" y="-56694"/>
+            <a:ext cx="9611215" cy="6419850"/>
+          </a:xfrm>
+          <a:prstGeom prst="roundRect">
+            <a:avLst>
+              <a:gd name="adj" fmla="val 12513"/>
+            </a:avLst>
+          </a:prstGeom>
+          <a:solidFill>
+            <a:srgbClr val="FFCB74"/>
+          </a:solidFill>
+          <a:ln>
+            <a:solidFill>
+              <a:schemeClr val="bg1"/>
+            </a:solidFill>
+          </a:ln>
+        </p:spPr>
+        <p:style>
+          <a:lnRef idx="2">
+            <a:schemeClr val="accent1">
+              <a:shade val="50000"/>
+            </a:schemeClr>
+          </a:lnRef>
+          <a:fillRef idx="1">
+            <a:schemeClr val="accent1"/>
+          </a:fillRef>
+          <a:effectRef idx="0">
+            <a:schemeClr val="accent1"/>
+          </a:effectRef>
+          <a:fontRef idx="minor">
+            <a:schemeClr val="lt1"/>
+          </a:fontRef>
+        </p:style>
+        <p:txBody>
+          <a:bodyPr rtlCol="0" anchor="ctr"/>
+          <a:lstStyle/>
+          <a:p>
+            <a:pPr algn="ctr"/>
+            <a:endParaRPr lang="en-US"/>
+          </a:p>
+        </p:txBody>
+      </p:sp>
+      <p:sp>
+        <p:nvSpPr>
+          <p:cNvPr id="13" name="Rectangle: Rounded Corners 12">
+            <a:extLst>
+              <a:ext uri="{FF2B5EF4-FFF2-40B4-BE49-F238E27FC236}">
+                <a16:creationId xmlns:a16="http://schemas.microsoft.com/office/drawing/2014/main" id="{F06F5A8C-A94E-B5AE-24BD-43502EE3019E}"/>
+              </a:ext>
+            </a:extLst>
+          </p:cNvPr>
+          <p:cNvSpPr/>
+          <p:nvPr/>
+        </p:nvSpPr>
+        <p:spPr>
+          <a:xfrm>
+            <a:off x="1228235" y="-628895"/>
+            <a:ext cx="9611215" cy="1600200"/>
+          </a:xfrm>
+          <a:prstGeom prst="roundRect">
+            <a:avLst/>
+          </a:prstGeom>
+          <a:solidFill>
+            <a:srgbClr val="111111"/>
+          </a:solidFill>
+        </p:spPr>
+        <p:style>
+          <a:lnRef idx="2">
+            <a:schemeClr val="dk1">
+              <a:shade val="50000"/>
+            </a:schemeClr>
+          </a:lnRef>
+          <a:fillRef idx="1">
+            <a:schemeClr val="dk1"/>
+          </a:fillRef>
+          <a:effectRef idx="0">
+            <a:schemeClr val="dk1"/>
+          </a:effectRef>
+          <a:fontRef idx="minor">
+            <a:schemeClr val="lt1"/>
+          </a:fontRef>
+        </p:style>
+        <p:txBody>
+          <a:bodyPr rtlCol="0" anchor="ctr"/>
+          <a:lstStyle/>
+          <a:p>
+            <a:pPr algn="ctr"/>
+            <a:endParaRPr lang="en-US"/>
+          </a:p>
+        </p:txBody>
+      </p:sp>
+      <p:sp>
+        <p:nvSpPr>
+          <p:cNvPr id="16" name="Rectangle: Rounded Corners 15">
+            <a:extLst>
+              <a:ext uri="{FF2B5EF4-FFF2-40B4-BE49-F238E27FC236}">
+                <a16:creationId xmlns:a16="http://schemas.microsoft.com/office/drawing/2014/main" id="{00BDF502-5E80-5598-CDAC-D896DADB798D}"/>
+              </a:ext>
+            </a:extLst>
+          </p:cNvPr>
+          <p:cNvSpPr/>
+          <p:nvPr/>
+        </p:nvSpPr>
+        <p:spPr>
+          <a:xfrm>
+            <a:off x="3696683" y="171205"/>
+            <a:ext cx="4737358" cy="695324"/>
+          </a:xfrm>
+          <a:prstGeom prst="roundRect">
+            <a:avLst/>
+          </a:prstGeom>
+          <a:solidFill>
+            <a:schemeClr val="bg1">
+              <a:lumMod val="95000"/>
+            </a:schemeClr>
+          </a:solidFill>
+        </p:spPr>
+        <p:style>
+          <a:lnRef idx="2">
+            <a:schemeClr val="accent1">
+              <a:shade val="50000"/>
+            </a:schemeClr>
+          </a:lnRef>
+          <a:fillRef idx="1">
+            <a:schemeClr val="accent1"/>
+          </a:fillRef>
+          <a:effectRef idx="0">
+            <a:schemeClr val="accent1"/>
+          </a:effectRef>
+          <a:fontRef idx="minor">
+            <a:schemeClr val="lt1"/>
+          </a:fontRef>
+        </p:style>
+        <p:txBody>
+          <a:bodyPr rtlCol="0" anchor="ctr"/>
+          <a:lstStyle/>
+          <a:p>
+            <a:pPr algn="ctr"/>
+            <a:r>
+              <a:rPr lang="en-US" sz="2400" b="1" spc="300" dirty="0">
+                <a:solidFill>
+                  <a:schemeClr val="tx1"/>
+                </a:solidFill>
+                <a:latin typeface="Arial Black" panose="020B0A04020102020204" pitchFamily="34" charset="0"/>
+              </a:rPr>
+              <a:t>Methodology</a:t>
+            </a:r>
+            <a:endParaRPr lang="en-US" sz="1800" b="1" spc="300" dirty="0">
+              <a:solidFill>
+                <a:schemeClr val="tx1"/>
+              </a:solidFill>
+              <a:latin typeface="Arial Black" panose="020B0A04020102020204" pitchFamily="34" charset="0"/>
+            </a:endParaRPr>
+          </a:p>
+        </p:txBody>
+      </p:sp>
+      <p:sp>
+        <p:nvSpPr>
+          <p:cNvPr id="3" name="TextBox 2">
+            <a:extLst>
+              <a:ext uri="{FF2B5EF4-FFF2-40B4-BE49-F238E27FC236}">
+                <a16:creationId xmlns:a16="http://schemas.microsoft.com/office/drawing/2014/main" id="{1FC2CF52-6764-DADA-301F-8B7449F4BD35}"/>
+              </a:ext>
+            </a:extLst>
+          </p:cNvPr>
+          <p:cNvSpPr txBox="1"/>
+          <p:nvPr/>
+        </p:nvSpPr>
+        <p:spPr>
+          <a:xfrm>
+            <a:off x="1514720" y="1367394"/>
+            <a:ext cx="9162560" cy="3293209"/>
+          </a:xfrm>
+          <a:prstGeom prst="rect">
+            <a:avLst/>
+          </a:prstGeom>
+          <a:noFill/>
+        </p:spPr>
+        <p:txBody>
+          <a:bodyPr wrap="square" rtlCol="0">
+            <a:spAutoFit/>
+          </a:bodyPr>
+          <a:lstStyle/>
+          <a:p>
+            <a:pPr algn="ctr"/>
+            <a:r>
+              <a:rPr lang="en-US" sz="4000" b="1" dirty="0"/>
+              <a:t>Design</a:t>
+            </a:r>
+            <a:endParaRPr lang="en-US" sz="3600" b="1" dirty="0"/>
+          </a:p>
+          <a:p>
+            <a:pPr algn="just"/>
+            <a:endParaRPr lang="en-US" sz="2400" b="1" i="0" dirty="0">
+              <a:effectLst/>
+              <a:latin typeface="Söhne"/>
+            </a:endParaRPr>
+          </a:p>
+          <a:p>
+            <a:pPr algn="just"/>
+            <a:r>
+              <a:rPr lang="en-US" sz="3600" b="0" i="0" dirty="0">
+                <a:effectLst/>
+                <a:latin typeface="Söhne"/>
+              </a:rPr>
+              <a:t>visualize the user interfaces of the room booking module and the kitchen system. Additionally, we designed the database schema to store information</a:t>
+            </a:r>
+          </a:p>
+        </p:txBody>
+      </p:sp>
+      <p:pic>
+        <p:nvPicPr>
+          <p:cNvPr id="2" name="Picture 1" descr="A group of people around a rocket&#10;&#10;Description automatically generated with low confidence">
+            <a:extLst>
+              <a:ext uri="{FF2B5EF4-FFF2-40B4-BE49-F238E27FC236}">
+                <a16:creationId xmlns:a16="http://schemas.microsoft.com/office/drawing/2014/main" id="{633D3BFC-865C-C669-0F83-0030FC9762DD}"/>
+              </a:ext>
+            </a:extLst>
+          </p:cNvPr>
+          <p:cNvPicPr>
+            <a:picLocks noChangeAspect="1"/>
+          </p:cNvPicPr>
+          <p:nvPr/>
+        </p:nvPicPr>
+        <p:blipFill>
+          <a:blip r:embed="rId2">
+            <a:extLst>
+              <a:ext uri="{28A0092B-C50C-407E-A947-70E740481C1C}">
+                <a14:useLocalDpi xmlns:a14="http://schemas.microsoft.com/office/drawing/2010/main" val="0"/>
+              </a:ext>
+            </a:extLst>
+          </a:blip>
+          <a:stretch>
+            <a:fillRect/>
+          </a:stretch>
+        </p:blipFill>
+        <p:spPr>
+          <a:xfrm>
+            <a:off x="12488667" y="4397602"/>
+            <a:ext cx="3094233" cy="2460398"/>
+          </a:xfrm>
+          <a:prstGeom prst="rect">
+            <a:avLst/>
+          </a:prstGeom>
+        </p:spPr>
+      </p:pic>
+      <p:pic>
+        <p:nvPicPr>
+          <p:cNvPr id="5" name="Picture 4" descr="A hand holding a puzzle piece&#10;&#10;Description automatically generated with medium confidence">
+            <a:extLst>
+              <a:ext uri="{FF2B5EF4-FFF2-40B4-BE49-F238E27FC236}">
+                <a16:creationId xmlns:a16="http://schemas.microsoft.com/office/drawing/2014/main" id="{81FB5555-F515-BFBD-A25E-ADE7C6D66E08}"/>
+              </a:ext>
+            </a:extLst>
+          </p:cNvPr>
+          <p:cNvPicPr>
+            <a:picLocks noChangeAspect="1"/>
+          </p:cNvPicPr>
+          <p:nvPr/>
+        </p:nvPicPr>
+        <p:blipFill>
+          <a:blip r:embed="rId3">
+            <a:extLst>
+              <a:ext uri="{28A0092B-C50C-407E-A947-70E740481C1C}">
+                <a14:useLocalDpi xmlns:a14="http://schemas.microsoft.com/office/drawing/2010/main" val="0"/>
+              </a:ext>
+            </a:extLst>
+          </a:blip>
+          <a:stretch>
+            <a:fillRect/>
+          </a:stretch>
+        </p:blipFill>
+        <p:spPr>
+          <a:xfrm>
+            <a:off x="7787285" y="4128374"/>
+            <a:ext cx="3176480" cy="2767012"/>
+          </a:xfrm>
+          <a:prstGeom prst="rect">
+            <a:avLst/>
+          </a:prstGeom>
+        </p:spPr>
+      </p:pic>
+      <p:sp>
+        <p:nvSpPr>
+          <p:cNvPr id="7" name="TextBox 6">
+            <a:extLst>
+              <a:ext uri="{FF2B5EF4-FFF2-40B4-BE49-F238E27FC236}">
+                <a16:creationId xmlns:a16="http://schemas.microsoft.com/office/drawing/2014/main" id="{0569FD1D-480B-9D50-4AE7-583A7F2F41BA}"/>
+              </a:ext>
+            </a:extLst>
+          </p:cNvPr>
+          <p:cNvSpPr txBox="1"/>
+          <p:nvPr/>
+        </p:nvSpPr>
+        <p:spPr>
+          <a:xfrm>
+            <a:off x="1639035" y="7680875"/>
+            <a:ext cx="9162560" cy="3354765"/>
+          </a:xfrm>
+          <a:prstGeom prst="rect">
+            <a:avLst/>
+          </a:prstGeom>
+          <a:noFill/>
+        </p:spPr>
+        <p:txBody>
+          <a:bodyPr wrap="square" rtlCol="0">
+            <a:spAutoFit/>
+          </a:bodyPr>
+          <a:lstStyle/>
+          <a:p>
+            <a:pPr algn="ctr"/>
+            <a:r>
+              <a:rPr lang="en-US" sz="4400" b="1" dirty="0"/>
+              <a:t>Implementation</a:t>
+            </a:r>
+          </a:p>
+          <a:p>
+            <a:pPr algn="ctr"/>
+            <a:endParaRPr lang="en-US" sz="4000" b="1" dirty="0"/>
+          </a:p>
+          <a:p>
+            <a:r>
+              <a:rPr lang="en-US" sz="3200" b="0" i="0" dirty="0">
+                <a:effectLst/>
+                <a:latin typeface="Söhne"/>
+              </a:rPr>
+              <a:t>we transformed the design specifications into a working hotel management system. We developed the backend and frontend components of the room booking and kitchen</a:t>
+            </a:r>
+          </a:p>
+        </p:txBody>
+      </p:sp>
+    </p:spTree>
+    <p:extLst>
+      <p:ext uri="{BB962C8B-B14F-4D97-AF65-F5344CB8AC3E}">
+        <p14:creationId xmlns:p14="http://schemas.microsoft.com/office/powerpoint/2010/main" val="3734497839"/>
+      </p:ext>
+    </p:extLst>
+  </p:cSld>
+  <p:clrMapOvr>
+    <a:masterClrMapping/>
+  </p:clrMapOvr>
+  <mc:AlternateContent xmlns:mc="http://schemas.openxmlformats.org/markup-compatibility/2006">
+    <mc:Choice xmlns:p159="http://schemas.microsoft.com/office/powerpoint/2015/09/main" Requires="p159">
+      <p:transition xmlns:p14="http://schemas.microsoft.com/office/powerpoint/2010/main" spd="slow" p14:dur="2000">
+        <p159:morph option="byObject"/>
+      </p:transition>
+    </mc:Choice>
+    <mc:Fallback>
+      <p:transition spd="slow">
+        <p:fade/>
+      </p:transition>
+    </mc:Fallback>
+  </mc:AlternateContent>
+</p:sld>
+</file>
+
+<file path=ppt/slides/slide7.xml><?xml version="1.0" encoding="utf-8"?>
+<p:sld xmlns:a="http://schemas.openxmlformats.org/drawingml/2006/main" xmlns:r="http://schemas.openxmlformats.org/officeDocument/2006/relationships" xmlns:p="http://schemas.openxmlformats.org/presentationml/2006/main">
+  <p:cSld>
+    <p:bg>
+      <p:bgPr>
+        <a:pattFill prst="pct5">
+          <a:fgClr>
+            <a:schemeClr val="accent1"/>
+          </a:fgClr>
+          <a:bgClr>
+            <a:schemeClr val="accent1"/>
+          </a:bgClr>
+        </a:pattFill>
+        <a:effectLst/>
+      </p:bgPr>
+    </p:bg>
+    <p:spTree>
+      <p:nvGrpSpPr>
+        <p:cNvPr id="1" name=""/>
+        <p:cNvGrpSpPr/>
+        <p:nvPr/>
+      </p:nvGrpSpPr>
+      <p:grpSpPr>
+        <a:xfrm>
+          <a:off x="0" y="0"/>
+          <a:ext cx="0" cy="0"/>
+          <a:chOff x="0" y="0"/>
+          <a:chExt cx="0" cy="0"/>
+        </a:xfrm>
+      </p:grpSpPr>
+      <p:sp>
+        <p:nvSpPr>
+          <p:cNvPr id="6" name="Rectangle: Rounded Corners 5">
+            <a:extLst>
+              <a:ext uri="{FF2B5EF4-FFF2-40B4-BE49-F238E27FC236}">
+                <a16:creationId xmlns:a16="http://schemas.microsoft.com/office/drawing/2014/main" id="{9174865E-6748-61F4-E85B-13156B925553}"/>
+              </a:ext>
+            </a:extLst>
+          </p:cNvPr>
+          <p:cNvSpPr/>
+          <p:nvPr/>
+        </p:nvSpPr>
+        <p:spPr>
+          <a:xfrm>
+            <a:off x="1228235" y="-56694"/>
+            <a:ext cx="9611215" cy="6419850"/>
+          </a:xfrm>
+          <a:prstGeom prst="roundRect">
+            <a:avLst>
+              <a:gd name="adj" fmla="val 12513"/>
+            </a:avLst>
+          </a:prstGeom>
+          <a:solidFill>
+            <a:srgbClr val="FFCB74"/>
+          </a:solidFill>
+          <a:ln>
+            <a:solidFill>
+              <a:schemeClr val="bg1"/>
+            </a:solidFill>
+          </a:ln>
+        </p:spPr>
+        <p:style>
+          <a:lnRef idx="2">
+            <a:schemeClr val="accent1">
+              <a:shade val="50000"/>
+            </a:schemeClr>
+          </a:lnRef>
+          <a:fillRef idx="1">
+            <a:schemeClr val="accent1"/>
+          </a:fillRef>
+          <a:effectRef idx="0">
+            <a:schemeClr val="accent1"/>
+          </a:effectRef>
+          <a:fontRef idx="minor">
+            <a:schemeClr val="lt1"/>
+          </a:fontRef>
+        </p:style>
+        <p:txBody>
+          <a:bodyPr rtlCol="0" anchor="ctr"/>
+          <a:lstStyle/>
+          <a:p>
+            <a:pPr algn="ctr"/>
+            <a:endParaRPr lang="en-US"/>
+          </a:p>
+        </p:txBody>
+      </p:sp>
+      <p:pic>
+        <p:nvPicPr>
+          <p:cNvPr id="12" name="Picture 11" descr="A group of people around a rocket&#10;&#10;Description automatically generated with low confidence">
+            <a:extLst>
+              <a:ext uri="{FF2B5EF4-FFF2-40B4-BE49-F238E27FC236}">
+                <a16:creationId xmlns:a16="http://schemas.microsoft.com/office/drawing/2014/main" id="{FC60ADC2-25F3-B96F-E35F-CFA7E930B20A}"/>
+              </a:ext>
+            </a:extLst>
+          </p:cNvPr>
+          <p:cNvPicPr>
+            <a:picLocks noChangeAspect="1"/>
+          </p:cNvPicPr>
+          <p:nvPr/>
+        </p:nvPicPr>
+        <p:blipFill>
+          <a:blip r:embed="rId2">
+            <a:extLst>
+              <a:ext uri="{28A0092B-C50C-407E-A947-70E740481C1C}">
+                <a14:useLocalDpi xmlns:a14="http://schemas.microsoft.com/office/drawing/2010/main" val="0"/>
+              </a:ext>
+            </a:extLst>
+          </a:blip>
+          <a:stretch>
+            <a:fillRect/>
+          </a:stretch>
+        </p:blipFill>
+        <p:spPr>
+          <a:xfrm>
+            <a:off x="9097767" y="4279123"/>
+            <a:ext cx="3094233" cy="2460398"/>
+          </a:xfrm>
+          <a:prstGeom prst="rect">
+            <a:avLst/>
+          </a:prstGeom>
+        </p:spPr>
+      </p:pic>
+      <p:sp>
+        <p:nvSpPr>
+          <p:cNvPr id="13" name="Rectangle: Rounded Corners 12">
+            <a:extLst>
+              <a:ext uri="{FF2B5EF4-FFF2-40B4-BE49-F238E27FC236}">
+                <a16:creationId xmlns:a16="http://schemas.microsoft.com/office/drawing/2014/main" id="{F06F5A8C-A94E-B5AE-24BD-43502EE3019E}"/>
+              </a:ext>
+            </a:extLst>
+          </p:cNvPr>
+          <p:cNvSpPr/>
+          <p:nvPr/>
+        </p:nvSpPr>
+        <p:spPr>
+          <a:xfrm>
+            <a:off x="1228235" y="-628895"/>
+            <a:ext cx="9611215" cy="1600200"/>
+          </a:xfrm>
+          <a:prstGeom prst="roundRect">
+            <a:avLst/>
+          </a:prstGeom>
+          <a:solidFill>
+            <a:srgbClr val="111111"/>
+          </a:solidFill>
+        </p:spPr>
+        <p:style>
+          <a:lnRef idx="2">
+            <a:schemeClr val="dk1">
+              <a:shade val="50000"/>
+            </a:schemeClr>
+          </a:lnRef>
+          <a:fillRef idx="1">
+            <a:schemeClr val="dk1"/>
+          </a:fillRef>
+          <a:effectRef idx="0">
+            <a:schemeClr val="dk1"/>
+          </a:effectRef>
+          <a:fontRef idx="minor">
+            <a:schemeClr val="lt1"/>
+          </a:fontRef>
+        </p:style>
+        <p:txBody>
+          <a:bodyPr rtlCol="0" anchor="ctr"/>
+          <a:lstStyle/>
+          <a:p>
+            <a:pPr algn="ctr"/>
+            <a:endParaRPr lang="en-US"/>
+          </a:p>
+        </p:txBody>
+      </p:sp>
+      <p:sp>
+        <p:nvSpPr>
+          <p:cNvPr id="16" name="Rectangle: Rounded Corners 15">
+            <a:extLst>
+              <a:ext uri="{FF2B5EF4-FFF2-40B4-BE49-F238E27FC236}">
+                <a16:creationId xmlns:a16="http://schemas.microsoft.com/office/drawing/2014/main" id="{00BDF502-5E80-5598-CDAC-D896DADB798D}"/>
+              </a:ext>
+            </a:extLst>
+          </p:cNvPr>
+          <p:cNvSpPr/>
+          <p:nvPr/>
+        </p:nvSpPr>
+        <p:spPr>
+          <a:xfrm>
+            <a:off x="3696683" y="171205"/>
+            <a:ext cx="4737358" cy="695324"/>
+          </a:xfrm>
+          <a:prstGeom prst="roundRect">
+            <a:avLst/>
+          </a:prstGeom>
+          <a:solidFill>
+            <a:schemeClr val="bg1">
+              <a:lumMod val="95000"/>
+            </a:schemeClr>
+          </a:solidFill>
+        </p:spPr>
+        <p:style>
+          <a:lnRef idx="2">
+            <a:schemeClr val="accent1">
+              <a:shade val="50000"/>
+            </a:schemeClr>
+          </a:lnRef>
+          <a:fillRef idx="1">
+            <a:schemeClr val="accent1"/>
+          </a:fillRef>
+          <a:effectRef idx="0">
+            <a:schemeClr val="accent1"/>
+          </a:effectRef>
+          <a:fontRef idx="minor">
+            <a:schemeClr val="lt1"/>
+          </a:fontRef>
+        </p:style>
+        <p:txBody>
+          <a:bodyPr rtlCol="0" anchor="ctr"/>
+          <a:lstStyle/>
+          <a:p>
+            <a:pPr algn="ctr"/>
+            <a:r>
+              <a:rPr lang="en-US" sz="2400" b="1" spc="300" dirty="0">
+                <a:solidFill>
+                  <a:schemeClr val="tx1"/>
+                </a:solidFill>
+                <a:latin typeface="Arial Black" panose="020B0A04020102020204" pitchFamily="34" charset="0"/>
+              </a:rPr>
+              <a:t>Methodology</a:t>
+            </a:r>
+            <a:endParaRPr lang="en-US" sz="1800" b="1" spc="300" dirty="0">
+              <a:solidFill>
+                <a:schemeClr val="tx1"/>
+              </a:solidFill>
+              <a:latin typeface="Arial Black" panose="020B0A04020102020204" pitchFamily="34" charset="0"/>
+            </a:endParaRPr>
+          </a:p>
+        </p:txBody>
+      </p:sp>
+      <p:sp>
+        <p:nvSpPr>
+          <p:cNvPr id="3" name="TextBox 2">
+            <a:extLst>
+              <a:ext uri="{FF2B5EF4-FFF2-40B4-BE49-F238E27FC236}">
+                <a16:creationId xmlns:a16="http://schemas.microsoft.com/office/drawing/2014/main" id="{1FC2CF52-6764-DADA-301F-8B7449F4BD35}"/>
+              </a:ext>
+            </a:extLst>
+          </p:cNvPr>
+          <p:cNvSpPr txBox="1"/>
+          <p:nvPr/>
+        </p:nvSpPr>
+        <p:spPr>
+          <a:xfrm>
+            <a:off x="1639035" y="1299125"/>
+            <a:ext cx="9162560" cy="3354765"/>
+          </a:xfrm>
+          <a:prstGeom prst="rect">
+            <a:avLst/>
+          </a:prstGeom>
+          <a:noFill/>
+        </p:spPr>
+        <p:txBody>
+          <a:bodyPr wrap="square" rtlCol="0">
+            <a:spAutoFit/>
+          </a:bodyPr>
+          <a:lstStyle/>
+          <a:p>
+            <a:pPr algn="ctr"/>
+            <a:r>
+              <a:rPr lang="en-US" sz="4400" b="1" dirty="0"/>
+              <a:t>Implementation</a:t>
+            </a:r>
+          </a:p>
+          <a:p>
+            <a:pPr algn="ctr"/>
+            <a:endParaRPr lang="en-US" sz="4000" b="1" dirty="0"/>
+          </a:p>
+          <a:p>
+            <a:r>
+              <a:rPr lang="en-US" sz="3200" b="0" i="0" dirty="0">
+                <a:effectLst/>
+                <a:latin typeface="Söhne"/>
+              </a:rPr>
+              <a:t>we transformed the design specifications into a working hotel management system. We developed the backend and frontend components of the room booking and kitchen</a:t>
+            </a:r>
+          </a:p>
+        </p:txBody>
+      </p:sp>
+      <p:sp>
+        <p:nvSpPr>
+          <p:cNvPr id="4" name="TextBox 3">
+            <a:extLst>
+              <a:ext uri="{FF2B5EF4-FFF2-40B4-BE49-F238E27FC236}">
+                <a16:creationId xmlns:a16="http://schemas.microsoft.com/office/drawing/2014/main" id="{BF517EB5-E520-7E35-1A87-19AB13176F42}"/>
+              </a:ext>
+            </a:extLst>
+          </p:cNvPr>
+          <p:cNvSpPr txBox="1"/>
+          <p:nvPr/>
+        </p:nvSpPr>
+        <p:spPr>
+          <a:xfrm>
+            <a:off x="1514720" y="7525206"/>
+            <a:ext cx="9162560" cy="2185214"/>
+          </a:xfrm>
+          <a:prstGeom prst="rect">
+            <a:avLst/>
+          </a:prstGeom>
+          <a:noFill/>
+        </p:spPr>
+        <p:txBody>
+          <a:bodyPr wrap="square" rtlCol="0">
+            <a:spAutoFit/>
+          </a:bodyPr>
+          <a:lstStyle/>
+          <a:p>
+            <a:pPr algn="ctr"/>
+            <a:r>
+              <a:rPr lang="en-US" sz="4000" b="1" dirty="0">
+                <a:latin typeface="Söhne"/>
+              </a:rPr>
+              <a:t>Testing</a:t>
+            </a:r>
+            <a:r>
+              <a:rPr lang="en-US" sz="2400" b="1" dirty="0">
+                <a:latin typeface="Söhne"/>
+              </a:rPr>
+              <a:t> </a:t>
+            </a:r>
+          </a:p>
+          <a:p>
+            <a:endParaRPr lang="en-US" sz="2400" b="1" i="0" dirty="0">
+              <a:effectLst/>
+              <a:latin typeface="Söhne"/>
+            </a:endParaRPr>
+          </a:p>
+          <a:p>
+            <a:pPr algn="ctr"/>
+            <a:r>
+              <a:rPr lang="en-US" sz="3600" b="0" i="0" dirty="0">
+                <a:effectLst/>
+                <a:latin typeface="Söhne"/>
+              </a:rPr>
+              <a:t>We performed unit testing to verify the individual components, integration testing</a:t>
+            </a:r>
+            <a:endParaRPr lang="en-US" sz="3600" b="1" dirty="0"/>
+          </a:p>
+        </p:txBody>
+      </p:sp>
+    </p:spTree>
+    <p:extLst>
+      <p:ext uri="{BB962C8B-B14F-4D97-AF65-F5344CB8AC3E}">
+        <p14:creationId xmlns:p14="http://schemas.microsoft.com/office/powerpoint/2010/main" val="3582564177"/>
+      </p:ext>
+    </p:extLst>
+  </p:cSld>
+  <p:clrMapOvr>
+    <a:masterClrMapping/>
+  </p:clrMapOvr>
+  <mc:AlternateContent xmlns:mc="http://schemas.openxmlformats.org/markup-compatibility/2006">
+    <mc:Choice xmlns:p159="http://schemas.microsoft.com/office/powerpoint/2015/09/main" Requires="p159">
+      <p:transition xmlns:p14="http://schemas.microsoft.com/office/powerpoint/2010/main" spd="slow" p14:dur="2000">
+        <p159:morph option="byObject"/>
+      </p:transition>
+    </mc:Choice>
+    <mc:Fallback>
+      <p:transition spd="slow">
+        <p:fade/>
+      </p:transition>
+    </mc:Fallback>
+  </mc:AlternateContent>
+</p:sld>
+</file>
+
+<file path=ppt/slides/slide8.xml><?xml version="1.0" encoding="utf-8"?>
+<p:sld xmlns:a="http://schemas.openxmlformats.org/drawingml/2006/main" xmlns:r="http://schemas.openxmlformats.org/officeDocument/2006/relationships" xmlns:p="http://schemas.openxmlformats.org/presentationml/2006/main">
+  <p:cSld>
+    <p:bg>
+      <p:bgPr>
+        <a:pattFill prst="pct5">
+          <a:fgClr>
+            <a:schemeClr val="accent1"/>
+          </a:fgClr>
+          <a:bgClr>
+            <a:schemeClr val="accent1"/>
+          </a:bgClr>
+        </a:pattFill>
+        <a:effectLst/>
+      </p:bgPr>
+    </p:bg>
+    <p:spTree>
+      <p:nvGrpSpPr>
+        <p:cNvPr id="1" name=""/>
+        <p:cNvGrpSpPr/>
+        <p:nvPr/>
+      </p:nvGrpSpPr>
+      <p:grpSpPr>
+        <a:xfrm>
+          <a:off x="0" y="0"/>
+          <a:ext cx="0" cy="0"/>
+          <a:chOff x="0" y="0"/>
+          <a:chExt cx="0" cy="0"/>
+        </a:xfrm>
+      </p:grpSpPr>
+      <p:sp>
+        <p:nvSpPr>
+          <p:cNvPr id="6" name="Rectangle: Rounded Corners 5">
+            <a:extLst>
+              <a:ext uri="{FF2B5EF4-FFF2-40B4-BE49-F238E27FC236}">
+                <a16:creationId xmlns:a16="http://schemas.microsoft.com/office/drawing/2014/main" id="{9174865E-6748-61F4-E85B-13156B925553}"/>
+              </a:ext>
+            </a:extLst>
+          </p:cNvPr>
+          <p:cNvSpPr/>
+          <p:nvPr/>
+        </p:nvSpPr>
+        <p:spPr>
+          <a:xfrm>
+            <a:off x="1228235" y="-75744"/>
+            <a:ext cx="9611215" cy="6419850"/>
+          </a:xfrm>
+          <a:prstGeom prst="roundRect">
+            <a:avLst>
+              <a:gd name="adj" fmla="val 12513"/>
+            </a:avLst>
+          </a:prstGeom>
+          <a:solidFill>
+            <a:srgbClr val="FFCB74"/>
+          </a:solidFill>
+          <a:ln>
+            <a:solidFill>
+              <a:schemeClr val="bg1"/>
+            </a:solidFill>
+          </a:ln>
+        </p:spPr>
+        <p:style>
+          <a:lnRef idx="2">
+            <a:schemeClr val="accent1">
+              <a:shade val="50000"/>
+            </a:schemeClr>
+          </a:lnRef>
+          <a:fillRef idx="1">
+            <a:schemeClr val="accent1"/>
+          </a:fillRef>
+          <a:effectRef idx="0">
+            <a:schemeClr val="accent1"/>
+          </a:effectRef>
+          <a:fontRef idx="minor">
+            <a:schemeClr val="lt1"/>
+          </a:fontRef>
+        </p:style>
+        <p:txBody>
+          <a:bodyPr rtlCol="0" anchor="ctr"/>
+          <a:lstStyle/>
+          <a:p>
+            <a:pPr algn="ctr"/>
+            <a:endParaRPr lang="en-US"/>
+          </a:p>
+        </p:txBody>
+      </p:sp>
+      <p:sp>
+        <p:nvSpPr>
+          <p:cNvPr id="13" name="Rectangle: Rounded Corners 12">
+            <a:extLst>
+              <a:ext uri="{FF2B5EF4-FFF2-40B4-BE49-F238E27FC236}">
+                <a16:creationId xmlns:a16="http://schemas.microsoft.com/office/drawing/2014/main" id="{F06F5A8C-A94E-B5AE-24BD-43502EE3019E}"/>
+              </a:ext>
+            </a:extLst>
+          </p:cNvPr>
+          <p:cNvSpPr/>
+          <p:nvPr/>
+        </p:nvSpPr>
+        <p:spPr>
+          <a:xfrm>
+            <a:off x="1228235" y="-647945"/>
+            <a:ext cx="9611215" cy="1600200"/>
+          </a:xfrm>
+          <a:prstGeom prst="roundRect">
+            <a:avLst/>
+          </a:prstGeom>
+          <a:solidFill>
+            <a:srgbClr val="111111"/>
+          </a:solidFill>
+        </p:spPr>
+        <p:style>
+          <a:lnRef idx="2">
+            <a:schemeClr val="dk1">
+              <a:shade val="50000"/>
+            </a:schemeClr>
+          </a:lnRef>
+          <a:fillRef idx="1">
+            <a:schemeClr val="dk1"/>
+          </a:fillRef>
+          <a:effectRef idx="0">
+            <a:schemeClr val="dk1"/>
+          </a:effectRef>
+          <a:fontRef idx="minor">
+            <a:schemeClr val="lt1"/>
+          </a:fontRef>
+        </p:style>
+        <p:txBody>
+          <a:bodyPr rtlCol="0" anchor="ctr"/>
+          <a:lstStyle/>
+          <a:p>
+            <a:pPr algn="ctr"/>
+            <a:endParaRPr lang="en-US"/>
+          </a:p>
+        </p:txBody>
+      </p:sp>
+      <p:sp>
+        <p:nvSpPr>
+          <p:cNvPr id="16" name="Rectangle: Rounded Corners 15">
+            <a:extLst>
+              <a:ext uri="{FF2B5EF4-FFF2-40B4-BE49-F238E27FC236}">
+                <a16:creationId xmlns:a16="http://schemas.microsoft.com/office/drawing/2014/main" id="{00BDF502-5E80-5598-CDAC-D896DADB798D}"/>
+              </a:ext>
+            </a:extLst>
+          </p:cNvPr>
+          <p:cNvSpPr/>
+          <p:nvPr/>
+        </p:nvSpPr>
+        <p:spPr>
+          <a:xfrm>
+            <a:off x="3696683" y="152155"/>
+            <a:ext cx="4737358" cy="695324"/>
+          </a:xfrm>
+          <a:prstGeom prst="roundRect">
+            <a:avLst/>
+          </a:prstGeom>
+          <a:solidFill>
+            <a:schemeClr val="bg1">
+              <a:lumMod val="95000"/>
+            </a:schemeClr>
+          </a:solidFill>
+        </p:spPr>
+        <p:style>
+          <a:lnRef idx="2">
+            <a:schemeClr val="accent1">
+              <a:shade val="50000"/>
+            </a:schemeClr>
+          </a:lnRef>
+          <a:fillRef idx="1">
+            <a:schemeClr val="accent1"/>
+          </a:fillRef>
+          <a:effectRef idx="0">
+            <a:schemeClr val="accent1"/>
+          </a:effectRef>
+          <a:fontRef idx="minor">
+            <a:schemeClr val="lt1"/>
+          </a:fontRef>
+        </p:style>
+        <p:txBody>
+          <a:bodyPr rtlCol="0" anchor="ctr"/>
+          <a:lstStyle/>
+          <a:p>
+            <a:pPr algn="ctr"/>
+            <a:r>
+              <a:rPr lang="en-US" sz="2400" b="1" spc="300" dirty="0">
+                <a:solidFill>
+                  <a:schemeClr val="tx1"/>
+                </a:solidFill>
+                <a:latin typeface="Arial Black" panose="020B0A04020102020204" pitchFamily="34" charset="0"/>
+              </a:rPr>
+              <a:t>Methodology</a:t>
+            </a:r>
+            <a:endParaRPr lang="en-US" sz="1800" b="1" spc="300" dirty="0">
+              <a:solidFill>
+                <a:schemeClr val="tx1"/>
+              </a:solidFill>
+              <a:latin typeface="Arial Black" panose="020B0A04020102020204" pitchFamily="34" charset="0"/>
+            </a:endParaRPr>
+          </a:p>
+        </p:txBody>
+      </p:sp>
+      <p:sp>
+        <p:nvSpPr>
+          <p:cNvPr id="3" name="TextBox 2">
+            <a:extLst>
+              <a:ext uri="{FF2B5EF4-FFF2-40B4-BE49-F238E27FC236}">
+                <a16:creationId xmlns:a16="http://schemas.microsoft.com/office/drawing/2014/main" id="{1FC2CF52-6764-DADA-301F-8B7449F4BD35}"/>
+              </a:ext>
+            </a:extLst>
+          </p:cNvPr>
+          <p:cNvSpPr txBox="1"/>
+          <p:nvPr/>
+        </p:nvSpPr>
+        <p:spPr>
+          <a:xfrm>
+            <a:off x="1452562" y="1119913"/>
+            <a:ext cx="9162560" cy="2185214"/>
+          </a:xfrm>
+          <a:prstGeom prst="rect">
+            <a:avLst/>
+          </a:prstGeom>
+          <a:noFill/>
+        </p:spPr>
+        <p:txBody>
+          <a:bodyPr wrap="square" rtlCol="0">
+            <a:spAutoFit/>
+          </a:bodyPr>
+          <a:lstStyle/>
+          <a:p>
+            <a:pPr algn="ctr"/>
+            <a:r>
+              <a:rPr lang="en-US" sz="4000" b="1" dirty="0">
+                <a:latin typeface="Söhne"/>
+              </a:rPr>
+              <a:t>Testing</a:t>
+            </a:r>
+            <a:r>
+              <a:rPr lang="en-US" sz="2400" b="1" dirty="0">
+                <a:latin typeface="Söhne"/>
+              </a:rPr>
+              <a:t> </a:t>
+            </a:r>
+          </a:p>
+          <a:p>
+            <a:endParaRPr lang="en-US" sz="2400" b="1" i="0" dirty="0">
+              <a:effectLst/>
+              <a:latin typeface="Söhne"/>
+            </a:endParaRPr>
+          </a:p>
+          <a:p>
+            <a:pPr algn="ctr"/>
+            <a:r>
+              <a:rPr lang="en-US" sz="3600" b="0" i="0" dirty="0">
+                <a:effectLst/>
+                <a:latin typeface="Söhne"/>
+              </a:rPr>
+              <a:t>We performed unit testing to verify the individual components, integration testing</a:t>
+            </a:r>
+            <a:endParaRPr lang="en-US" sz="3600" b="1" dirty="0"/>
+          </a:p>
+        </p:txBody>
+      </p:sp>
+      <p:pic>
+        <p:nvPicPr>
+          <p:cNvPr id="2" name="Picture 1" descr="A group of people around a rocket&#10;&#10;Description automatically generated with low confidence">
+            <a:extLst>
+              <a:ext uri="{FF2B5EF4-FFF2-40B4-BE49-F238E27FC236}">
+                <a16:creationId xmlns:a16="http://schemas.microsoft.com/office/drawing/2014/main" id="{EAC6E2C3-6CAE-C0FD-A656-25DCCF115A95}"/>
+              </a:ext>
+            </a:extLst>
+          </p:cNvPr>
+          <p:cNvPicPr>
+            <a:picLocks noChangeAspect="1"/>
+          </p:cNvPicPr>
+          <p:nvPr/>
+        </p:nvPicPr>
+        <p:blipFill>
+          <a:blip r:embed="rId2">
+            <a:extLst>
+              <a:ext uri="{28A0092B-C50C-407E-A947-70E740481C1C}">
+                <a14:useLocalDpi xmlns:a14="http://schemas.microsoft.com/office/drawing/2010/main" val="0"/>
+              </a:ext>
+            </a:extLst>
+          </a:blip>
+          <a:stretch>
+            <a:fillRect/>
+          </a:stretch>
+        </p:blipFill>
+        <p:spPr>
+          <a:xfrm>
+            <a:off x="9097767" y="6888973"/>
+            <a:ext cx="3094233" cy="2460398"/>
+          </a:xfrm>
+          <a:prstGeom prst="rect">
+            <a:avLst/>
+          </a:prstGeom>
+        </p:spPr>
+      </p:pic>
+      <p:pic>
+        <p:nvPicPr>
+          <p:cNvPr id="9" name="Picture 8" descr="A person sitting on the floor with a computer&#10;&#10;Description automatically generated with low confidence">
+            <a:extLst>
+              <a:ext uri="{FF2B5EF4-FFF2-40B4-BE49-F238E27FC236}">
+                <a16:creationId xmlns:a16="http://schemas.microsoft.com/office/drawing/2014/main" id="{A4ADFD89-0435-5EB1-C1CC-BF162D7F7F2F}"/>
+              </a:ext>
+            </a:extLst>
+          </p:cNvPr>
+          <p:cNvPicPr>
+            <a:picLocks noChangeAspect="1"/>
+          </p:cNvPicPr>
+          <p:nvPr/>
+        </p:nvPicPr>
+        <p:blipFill>
+          <a:blip r:embed="rId3">
+            <a:extLst>
+              <a:ext uri="{28A0092B-C50C-407E-A947-70E740481C1C}">
+                <a14:useLocalDpi xmlns:a14="http://schemas.microsoft.com/office/drawing/2010/main" val="0"/>
+              </a:ext>
+            </a:extLst>
+          </a:blip>
+          <a:stretch>
+            <a:fillRect/>
+          </a:stretch>
+        </p:blipFill>
+        <p:spPr>
+          <a:xfrm>
+            <a:off x="3696683" y="3429000"/>
+            <a:ext cx="4660493" cy="2739860"/>
+          </a:xfrm>
+          <a:prstGeom prst="rect">
+            <a:avLst/>
+          </a:prstGeom>
+        </p:spPr>
+      </p:pic>
+    </p:spTree>
+    <p:extLst>
+      <p:ext uri="{BB962C8B-B14F-4D97-AF65-F5344CB8AC3E}">
+        <p14:creationId xmlns:p14="http://schemas.microsoft.com/office/powerpoint/2010/main" val="2365947547"/>
+      </p:ext>
+    </p:extLst>
+  </p:cSld>
+  <p:clrMapOvr>
+    <a:masterClrMapping/>
+  </p:clrMapOvr>
+  <mc:AlternateContent xmlns:mc="http://schemas.openxmlformats.org/markup-compatibility/2006">
+    <mc:Choice xmlns:p159="http://schemas.microsoft.com/office/powerpoint/2015/09/main" Requires="p159">
+      <p:transition xmlns:p14="http://schemas.microsoft.com/office/powerpoint/2010/main" spd="slow" p14:dur="2000">
+        <p159:morph option="byObject"/>
+      </p:transition>
+    </mc:Choice>
+    <mc:Fallback>
+      <p:transition spd="slow">
+        <p:fade/>
+      </p:transition>
+    </mc:Fallback>
+  </mc:AlternateContent>
+</p:sld>
+</file>
+
+<file path=ppt/slides/slide9.xml><?xml version="1.0" encoding="utf-8"?>
+<p:sld xmlns:a="http://schemas.openxmlformats.org/drawingml/2006/main" xmlns:r="http://schemas.openxmlformats.org/officeDocument/2006/relationships" xmlns:p="http://schemas.openxmlformats.org/presentationml/2006/main">
+  <p:cSld>
+    <p:bg>
+      <p:bgPr>
+        <a:pattFill prst="pct5">
+          <a:fgClr>
+            <a:schemeClr val="accent1"/>
+          </a:fgClr>
+          <a:bgClr>
+            <a:schemeClr val="accent1"/>
+          </a:bgClr>
+        </a:pattFill>
+        <a:effectLst/>
+      </p:bgPr>
+    </p:bg>
+    <p:spTree>
+      <p:nvGrpSpPr>
+        <p:cNvPr id="1" name=""/>
+        <p:cNvGrpSpPr/>
+        <p:nvPr/>
+      </p:nvGrpSpPr>
+      <p:grpSpPr>
+        <a:xfrm>
+          <a:off x="0" y="0"/>
+          <a:ext cx="0" cy="0"/>
+          <a:chOff x="0" y="0"/>
+          <a:chExt cx="0" cy="0"/>
+        </a:xfrm>
+      </p:grpSpPr>
+      <p:sp>
+        <p:nvSpPr>
+          <p:cNvPr id="6" name="Rectangle: Rounded Corners 5">
+            <a:extLst>
+              <a:ext uri="{FF2B5EF4-FFF2-40B4-BE49-F238E27FC236}">
+                <a16:creationId xmlns:a16="http://schemas.microsoft.com/office/drawing/2014/main" id="{9174865E-6748-61F4-E85B-13156B925553}"/>
+              </a:ext>
+            </a:extLst>
+          </p:cNvPr>
+          <p:cNvSpPr/>
+          <p:nvPr/>
+        </p:nvSpPr>
+        <p:spPr>
+          <a:xfrm>
+            <a:off x="1228235" y="-75744"/>
+            <a:ext cx="9611215" cy="6419850"/>
+          </a:xfrm>
+          <a:prstGeom prst="roundRect">
+            <a:avLst>
+              <a:gd name="adj" fmla="val 12513"/>
+            </a:avLst>
+          </a:prstGeom>
+          <a:solidFill>
+            <a:srgbClr val="FFCB74"/>
+          </a:solidFill>
+          <a:ln>
+            <a:solidFill>
+              <a:schemeClr val="bg1"/>
+            </a:solidFill>
+          </a:ln>
+        </p:spPr>
+        <p:style>
+          <a:lnRef idx="2">
+            <a:schemeClr val="accent1">
+              <a:shade val="50000"/>
+            </a:schemeClr>
+          </a:lnRef>
+          <a:fillRef idx="1">
+            <a:schemeClr val="accent1"/>
+          </a:fillRef>
+          <a:effectRef idx="0">
+            <a:schemeClr val="accent1"/>
+          </a:effectRef>
+          <a:fontRef idx="minor">
+            <a:schemeClr val="lt1"/>
+          </a:fontRef>
+        </p:style>
+        <p:txBody>
+          <a:bodyPr rtlCol="0" anchor="ctr"/>
+          <a:lstStyle/>
+          <a:p>
+            <a:pPr algn="ctr"/>
+            <a:endParaRPr lang="en-US"/>
+          </a:p>
+        </p:txBody>
+      </p:sp>
+      <p:sp>
+        <p:nvSpPr>
+          <p:cNvPr id="13" name="Rectangle: Rounded Corners 12">
+            <a:extLst>
+              <a:ext uri="{FF2B5EF4-FFF2-40B4-BE49-F238E27FC236}">
+                <a16:creationId xmlns:a16="http://schemas.microsoft.com/office/drawing/2014/main" id="{F06F5A8C-A94E-B5AE-24BD-43502EE3019E}"/>
+              </a:ext>
+            </a:extLst>
+          </p:cNvPr>
+          <p:cNvSpPr/>
+          <p:nvPr/>
+        </p:nvSpPr>
+        <p:spPr>
+          <a:xfrm>
+            <a:off x="1228235" y="-647945"/>
+            <a:ext cx="9611215" cy="1600200"/>
+          </a:xfrm>
+          <a:prstGeom prst="roundRect">
+            <a:avLst/>
+          </a:prstGeom>
+          <a:solidFill>
+            <a:srgbClr val="111111"/>
+          </a:solidFill>
+        </p:spPr>
+        <p:style>
+          <a:lnRef idx="2">
+            <a:schemeClr val="dk1">
+              <a:shade val="50000"/>
+            </a:schemeClr>
+          </a:lnRef>
+          <a:fillRef idx="1">
+            <a:schemeClr val="dk1"/>
+          </a:fillRef>
+          <a:effectRef idx="0">
+            <a:schemeClr val="dk1"/>
+          </a:effectRef>
+          <a:fontRef idx="minor">
+            <a:schemeClr val="lt1"/>
+          </a:fontRef>
+        </p:style>
+        <p:txBody>
+          <a:bodyPr rtlCol="0" anchor="ctr"/>
+          <a:lstStyle/>
+          <a:p>
+            <a:pPr algn="ctr"/>
+            <a:endParaRPr lang="en-US"/>
+          </a:p>
+        </p:txBody>
+      </p:sp>
+      <p:sp>
+        <p:nvSpPr>
+          <p:cNvPr id="16" name="Rectangle: Rounded Corners 15">
+            <a:extLst>
+              <a:ext uri="{FF2B5EF4-FFF2-40B4-BE49-F238E27FC236}">
+                <a16:creationId xmlns:a16="http://schemas.microsoft.com/office/drawing/2014/main" id="{00BDF502-5E80-5598-CDAC-D896DADB798D}"/>
+              </a:ext>
+            </a:extLst>
+          </p:cNvPr>
+          <p:cNvSpPr/>
+          <p:nvPr/>
+        </p:nvSpPr>
+        <p:spPr>
+          <a:xfrm>
+            <a:off x="3696683" y="152155"/>
+            <a:ext cx="4737358" cy="695324"/>
+          </a:xfrm>
+          <a:prstGeom prst="roundRect">
+            <a:avLst/>
+          </a:prstGeom>
+          <a:solidFill>
+            <a:schemeClr val="bg1">
+              <a:lumMod val="95000"/>
+            </a:schemeClr>
+          </a:solidFill>
+        </p:spPr>
+        <p:style>
+          <a:lnRef idx="2">
+            <a:schemeClr val="accent1">
+              <a:shade val="50000"/>
+            </a:schemeClr>
+          </a:lnRef>
+          <a:fillRef idx="1">
+            <a:schemeClr val="accent1"/>
+          </a:fillRef>
+          <a:effectRef idx="0">
+            <a:schemeClr val="accent1"/>
+          </a:effectRef>
+          <a:fontRef idx="minor">
+            <a:schemeClr val="lt1"/>
+          </a:fontRef>
+        </p:style>
+        <p:txBody>
+          <a:bodyPr rtlCol="0" anchor="ctr"/>
+          <a:lstStyle/>
+          <a:p>
+            <a:pPr algn="ctr"/>
+            <a:r>
+              <a:rPr lang="en-US" sz="2400" b="1" spc="300" dirty="0">
+                <a:solidFill>
+                  <a:schemeClr val="tx1"/>
+                </a:solidFill>
+                <a:latin typeface="Arial Black" panose="020B0A04020102020204" pitchFamily="34" charset="0"/>
+              </a:rPr>
+              <a:t>Methodology</a:t>
+            </a:r>
+            <a:endParaRPr lang="en-US" sz="1800" b="1" spc="300" dirty="0">
+              <a:solidFill>
+                <a:schemeClr val="tx1"/>
+              </a:solidFill>
+              <a:latin typeface="Arial Black" panose="020B0A04020102020204" pitchFamily="34" charset="0"/>
+            </a:endParaRPr>
+          </a:p>
+        </p:txBody>
+      </p:sp>
+      <p:sp>
+        <p:nvSpPr>
+          <p:cNvPr id="3" name="TextBox 2">
+            <a:extLst>
+              <a:ext uri="{FF2B5EF4-FFF2-40B4-BE49-F238E27FC236}">
+                <a16:creationId xmlns:a16="http://schemas.microsoft.com/office/drawing/2014/main" id="{1FC2CF52-6764-DADA-301F-8B7449F4BD35}"/>
+              </a:ext>
+            </a:extLst>
+          </p:cNvPr>
+          <p:cNvSpPr txBox="1"/>
+          <p:nvPr/>
+        </p:nvSpPr>
+        <p:spPr>
+          <a:xfrm>
+            <a:off x="1452562" y="1119913"/>
+            <a:ext cx="9162560" cy="2185214"/>
+          </a:xfrm>
+          <a:prstGeom prst="rect">
+            <a:avLst/>
+          </a:prstGeom>
+          <a:noFill/>
+        </p:spPr>
+        <p:txBody>
+          <a:bodyPr wrap="square" rtlCol="0">
+            <a:spAutoFit/>
+          </a:bodyPr>
+          <a:lstStyle/>
+          <a:p>
+            <a:pPr algn="ctr"/>
+            <a:r>
+              <a:rPr lang="en-US" sz="4000" b="1" dirty="0">
+                <a:latin typeface="Söhne"/>
+              </a:rPr>
+              <a:t>Testing</a:t>
+            </a:r>
+            <a:r>
+              <a:rPr lang="en-US" sz="2400" b="1" dirty="0">
+                <a:latin typeface="Söhne"/>
+              </a:rPr>
+              <a:t> </a:t>
+            </a:r>
+          </a:p>
+          <a:p>
+            <a:endParaRPr lang="en-US" sz="2400" b="1" i="0" dirty="0">
+              <a:effectLst/>
+              <a:latin typeface="Söhne"/>
+            </a:endParaRPr>
+          </a:p>
+          <a:p>
+            <a:pPr algn="ctr"/>
+            <a:r>
+              <a:rPr lang="en-US" sz="3600" b="0" i="0" dirty="0">
+                <a:effectLst/>
+                <a:latin typeface="Söhne"/>
+              </a:rPr>
+              <a:t>We performed unit testing to verify the individual components, integration testing</a:t>
+            </a:r>
+            <a:endParaRPr lang="en-US" sz="3600" b="1" dirty="0"/>
+          </a:p>
+        </p:txBody>
+      </p:sp>
+      <p:pic>
+        <p:nvPicPr>
+          <p:cNvPr id="2" name="Picture 1" descr="A group of people around a rocket&#10;&#10;Description automatically generated with low confidence">
+            <a:extLst>
+              <a:ext uri="{FF2B5EF4-FFF2-40B4-BE49-F238E27FC236}">
+                <a16:creationId xmlns:a16="http://schemas.microsoft.com/office/drawing/2014/main" id="{EAC6E2C3-6CAE-C0FD-A656-25DCCF115A95}"/>
+              </a:ext>
+            </a:extLst>
+          </p:cNvPr>
+          <p:cNvPicPr>
+            <a:picLocks noChangeAspect="1"/>
+          </p:cNvPicPr>
+          <p:nvPr/>
+        </p:nvPicPr>
+        <p:blipFill>
+          <a:blip r:embed="rId2">
+            <a:extLst>
+              <a:ext uri="{28A0092B-C50C-407E-A947-70E740481C1C}">
+                <a14:useLocalDpi xmlns:a14="http://schemas.microsoft.com/office/drawing/2010/main" val="0"/>
+              </a:ext>
+            </a:extLst>
+          </a:blip>
+          <a:stretch>
+            <a:fillRect/>
+          </a:stretch>
+        </p:blipFill>
+        <p:spPr>
+          <a:xfrm>
+            <a:off x="9097767" y="6888973"/>
+            <a:ext cx="3094233" cy="2460398"/>
+          </a:xfrm>
+          <a:prstGeom prst="rect">
+            <a:avLst/>
+          </a:prstGeom>
+        </p:spPr>
+      </p:pic>
+      <p:pic>
+        <p:nvPicPr>
+          <p:cNvPr id="9" name="Picture 8" descr="A person sitting on the floor with a computer&#10;&#10;Description automatically generated with low confidence">
+            <a:extLst>
+              <a:ext uri="{FF2B5EF4-FFF2-40B4-BE49-F238E27FC236}">
+                <a16:creationId xmlns:a16="http://schemas.microsoft.com/office/drawing/2014/main" id="{A4ADFD89-0435-5EB1-C1CC-BF162D7F7F2F}"/>
+              </a:ext>
+            </a:extLst>
+          </p:cNvPr>
+          <p:cNvPicPr>
+            <a:picLocks noChangeAspect="1"/>
+          </p:cNvPicPr>
+          <p:nvPr/>
+        </p:nvPicPr>
+        <p:blipFill>
+          <a:blip r:embed="rId3">
+            <a:extLst>
+              <a:ext uri="{28A0092B-C50C-407E-A947-70E740481C1C}">
+                <a14:useLocalDpi xmlns:a14="http://schemas.microsoft.com/office/drawing/2010/main" val="0"/>
+              </a:ext>
+            </a:extLst>
+          </a:blip>
+          <a:stretch>
+            <a:fillRect/>
+          </a:stretch>
+        </p:blipFill>
+        <p:spPr>
+          <a:xfrm>
+            <a:off x="3696683" y="3429000"/>
+            <a:ext cx="4660493" cy="2739860"/>
+          </a:xfrm>
+          <a:prstGeom prst="rect">
+            <a:avLst/>
+          </a:prstGeom>
+        </p:spPr>
+      </p:pic>
+    </p:spTree>
+    <p:extLst>
+      <p:ext uri="{BB962C8B-B14F-4D97-AF65-F5344CB8AC3E}">
+        <p14:creationId xmlns:p14="http://schemas.microsoft.com/office/powerpoint/2010/main" val="2801572901"/>
+      </p:ext>
+    </p:extLst>
+  </p:cSld>
+  <p:clrMapOvr>
+    <a:masterClrMapping/>
+  </p:clrMapOvr>
+  <mc:AlternateContent xmlns:mc="http://schemas.openxmlformats.org/markup-compatibility/2006">
+    <mc:Choice xmlns:p159="http://schemas.microsoft.com/office/powerpoint/2015/09/main" Requires="p159">
+      <p:transition xmlns:p14="http://schemas.microsoft.com/office/powerpoint/2010/main" spd="slow" p14:dur="2000">
+        <p159:morph option="byObject"/>
+      </p:transition>
+    </mc:Choice>
+    <mc:Fallback>
+      <p:transition spd="slow">
+        <p:fade/>
+      </p:transition>
+    </mc:Fallback>
+  </mc:AlternateContent>
 </p:sld>
 </file>
 
